--- a/artillery/slide/NT_Artillery.pptx
+++ b/artillery/slide/NT_Artillery.pptx
@@ -19794,9 +19794,12 @@
             </a:r>
             <a:r>
               <a:rPr lang="en-US" sz="2400" dirty="0"/>
-              <a:t>in JavaScript</a:t>
-            </a:r>
-            <a:endParaRPr lang="en-US" sz="2400" dirty="0" smtClean="0"/>
+              <a:t>in </a:t>
+            </a:r>
+            <a:r>
+              <a:rPr lang="en-US" sz="2400" dirty="0" smtClean="0"/>
+              <a:t>JavaScript.</a:t>
+            </a:r>
           </a:p>
           <a:p>
             <a:r>
@@ -19819,7 +19822,6 @@
               <a:rPr lang="en-US" sz="2400" dirty="0"/>
               <a:t>APIs.</a:t>
             </a:r>
-            <a:endParaRPr lang="en-US" sz="2400" dirty="0"/>
           </a:p>
         </p:txBody>
       </p:sp>
@@ -20154,11 +20156,7 @@
             <a:pPr lvl="0"/>
             <a:r>
               <a:rPr lang="en-US" dirty="0" smtClean="0"/>
-              <a:t>What </a:t>
-            </a:r>
-            <a:r>
-              <a:rPr lang="en-US" dirty="0" smtClean="0"/>
-              <a:t>is load testing?</a:t>
+              <a:t>What is load testing?</a:t>
             </a:r>
             <a:endParaRPr lang="en-US" dirty="0"/>
           </a:p>
@@ -20259,11 +20257,7 @@
             </a:r>
             <a:r>
               <a:rPr lang="en-US" dirty="0" smtClean="0"/>
-              <a:t>load testing</a:t>
-            </a:r>
-            <a:r>
-              <a:rPr lang="en-US" dirty="0" smtClean="0"/>
-              <a:t>?</a:t>
+              <a:t>load testing?</a:t>
             </a:r>
             <a:endParaRPr lang="en-US" dirty="0"/>
           </a:p>
@@ -20393,7 +20387,21 @@
             </a:r>
             <a:r>
               <a:rPr lang="en-US" dirty="0"/>
-              <a:t>could not handle the increased traffic generated by their advertising campaign resulting in loss of both marketing dollars, and potential toy sales</a:t>
+              <a:t>could not handle the increased traffic generated by their advertising campaign resulting in loss of </a:t>
+            </a:r>
+            <a:r>
+              <a:rPr lang="en-US" dirty="0" smtClean="0"/>
+              <a:t>sales.</a:t>
+            </a:r>
+          </a:p>
+          <a:p>
+            <a:r>
+              <a:rPr lang="en-US" dirty="0" smtClean="0"/>
+              <a:t>An </a:t>
+            </a:r>
+            <a:r>
+              <a:rPr lang="en-US" dirty="0"/>
+              <a:t>Airline website was not able to handle 10000+ users during a festival offer</a:t>
             </a:r>
             <a:r>
               <a:rPr lang="en-US" dirty="0" smtClean="0"/>
@@ -20403,33 +20411,23 @@
           <a:p>
             <a:r>
               <a:rPr lang="en-US" dirty="0" smtClean="0"/>
-              <a:t>An </a:t>
+              <a:t>Encyclopedia </a:t>
             </a:r>
             <a:r>
               <a:rPr lang="en-US" dirty="0"/>
-              <a:t>Airline website was not able to handle 10000+ users during a festival offer</a:t>
+              <a:t>Britannica were not able to keep up with the onslaught of traffic for weeks </a:t>
             </a:r>
             <a:r>
               <a:rPr lang="en-US" dirty="0" smtClean="0"/>
-              <a:t>.</a:t>
-            </a:r>
-          </a:p>
-          <a:p>
+              <a:t>after declaring </a:t>
+            </a:r>
+            <a:r>
+              <a:rPr lang="en-US" dirty="0"/>
+              <a:t>free access to their online database as a promotional </a:t>
+            </a:r>
             <a:r>
               <a:rPr lang="en-US" dirty="0" smtClean="0"/>
-              <a:t>Encyclopedia </a:t>
-            </a:r>
-            <a:r>
-              <a:rPr lang="en-US" dirty="0"/>
-              <a:t>Britannica declared free access to their online database as a promotional </a:t>
-            </a:r>
-            <a:r>
-              <a:rPr lang="en-US" dirty="0" smtClean="0"/>
-              <a:t>offer. They </a:t>
-            </a:r>
-            <a:r>
-              <a:rPr lang="en-US" dirty="0"/>
-              <a:t>were not able to keep up with the onslaught of traffic for weeks.</a:t>
+              <a:t>offer.</a:t>
             </a:r>
             <a:endParaRPr lang="en-US" dirty="0"/>
           </a:p>
@@ -20437,7 +20435,7 @@
       </p:sp>
       <p:pic>
         <p:nvPicPr>
-          <p:cNvPr id="2050" name="Picture 2" descr="Cost of Downtime: Truth and Facts of IT Downtime - OpsWorks Co"/>
+          <p:cNvPr id="4" name="Picture 2" descr="How to Calculate the True Cost of Downtime | Data Foundry"/>
           <p:cNvPicPr>
             <a:picLocks noChangeAspect="1" noChangeArrowheads="1"/>
           </p:cNvPicPr>
@@ -20458,8 +20456,8 @@
         </p:blipFill>
         <p:spPr bwMode="auto">
           <a:xfrm>
-            <a:off x="2194560" y="2594040"/>
-            <a:ext cx="7580375" cy="4263960"/>
+            <a:off x="3113553" y="2822795"/>
+            <a:ext cx="5742305" cy="3772896"/>
           </a:xfrm>
           <a:prstGeom prst="rect">
             <a:avLst/>
@@ -20885,7 +20883,6 @@
               <a:rPr lang="en-US" sz="2400" dirty="0"/>
               <a:t>complementary strategies for performance management and monitoring of a production environment.</a:t>
             </a:r>
-            <a:endParaRPr lang="en-US" sz="2400" dirty="0"/>
           </a:p>
         </p:txBody>
       </p:sp>

--- a/artillery/slide/NT_Artillery.pptx
+++ b/artillery/slide/NT_Artillery.pptx
@@ -12,13 +12,15 @@
     <p:sldId id="278" r:id="rId6"/>
     <p:sldId id="279" r:id="rId7"/>
     <p:sldId id="259" r:id="rId8"/>
-    <p:sldId id="260" r:id="rId9"/>
+    <p:sldId id="281" r:id="rId9"/>
     <p:sldId id="280" r:id="rId10"/>
     <p:sldId id="261" r:id="rId11"/>
     <p:sldId id="262" r:id="rId12"/>
-    <p:sldId id="265" r:id="rId13"/>
-    <p:sldId id="275" r:id="rId14"/>
-    <p:sldId id="269" r:id="rId15"/>
+    <p:sldId id="260" r:id="rId13"/>
+    <p:sldId id="282" r:id="rId14"/>
+    <p:sldId id="265" r:id="rId15"/>
+    <p:sldId id="275" r:id="rId16"/>
+    <p:sldId id="269" r:id="rId17"/>
   </p:sldIdLst>
   <p:sldSz cx="12192000" cy="6858000"/>
   <p:notesSz cx="6858000" cy="9144000"/>
@@ -256,7 +258,7 @@
           <a:p>
             <a:fld id="{341919A8-FDE9-4149-8ED6-0DC54AFFEC26}" type="datetimeFigureOut">
               <a:rPr lang="en-US" smtClean="0"/>
-              <a:t>4/18/2023</a:t>
+              <a:t>4/24/2023</a:t>
             </a:fld>
             <a:endParaRPr lang="en-US"/>
           </a:p>
@@ -426,7 +428,7 @@
           <a:p>
             <a:fld id="{341919A8-FDE9-4149-8ED6-0DC54AFFEC26}" type="datetimeFigureOut">
               <a:rPr lang="en-US" smtClean="0"/>
-              <a:t>4/18/2023</a:t>
+              <a:t>4/24/2023</a:t>
             </a:fld>
             <a:endParaRPr lang="en-US"/>
           </a:p>
@@ -606,7 +608,7 @@
           <a:p>
             <a:fld id="{341919A8-FDE9-4149-8ED6-0DC54AFFEC26}" type="datetimeFigureOut">
               <a:rPr lang="en-US" smtClean="0"/>
-              <a:t>4/18/2023</a:t>
+              <a:t>4/24/2023</a:t>
             </a:fld>
             <a:endParaRPr lang="en-US"/>
           </a:p>
@@ -3664,7 +3666,7 @@
           <a:p>
             <a:fld id="{341919A8-FDE9-4149-8ED6-0DC54AFFEC26}" type="datetimeFigureOut">
               <a:rPr lang="en-US" smtClean="0"/>
-              <a:t>4/18/2023</a:t>
+              <a:t>4/24/2023</a:t>
             </a:fld>
             <a:endParaRPr lang="en-US"/>
           </a:p>
@@ -6308,7 +6310,7 @@
           <a:p>
             <a:fld id="{341919A8-FDE9-4149-8ED6-0DC54AFFEC26}" type="datetimeFigureOut">
               <a:rPr lang="en-US" smtClean="0"/>
-              <a:t>4/18/2023</a:t>
+              <a:t>4/24/2023</a:t>
             </a:fld>
             <a:endParaRPr lang="en-US"/>
           </a:p>
@@ -12162,7 +12164,7 @@
           <a:p>
             <a:fld id="{341919A8-FDE9-4149-8ED6-0DC54AFFEC26}" type="datetimeFigureOut">
               <a:rPr lang="en-US" smtClean="0"/>
-              <a:t>4/18/2023</a:t>
+              <a:t>4/24/2023</a:t>
             </a:fld>
             <a:endParaRPr lang="en-US"/>
           </a:p>
@@ -17611,7 +17613,7 @@
           <a:p>
             <a:fld id="{341919A8-FDE9-4149-8ED6-0DC54AFFEC26}" type="datetimeFigureOut">
               <a:rPr lang="en-US" smtClean="0"/>
-              <a:t>4/18/2023</a:t>
+              <a:t>4/24/2023</a:t>
             </a:fld>
             <a:endParaRPr lang="en-US"/>
           </a:p>
@@ -17729,7 +17731,7 @@
           <a:p>
             <a:fld id="{341919A8-FDE9-4149-8ED6-0DC54AFFEC26}" type="datetimeFigureOut">
               <a:rPr lang="en-US" smtClean="0"/>
-              <a:t>4/18/2023</a:t>
+              <a:t>4/24/2023</a:t>
             </a:fld>
             <a:endParaRPr lang="en-US"/>
           </a:p>
@@ -17824,7 +17826,7 @@
           <a:p>
             <a:fld id="{341919A8-FDE9-4149-8ED6-0DC54AFFEC26}" type="datetimeFigureOut">
               <a:rPr lang="en-US" smtClean="0"/>
-              <a:t>4/18/2023</a:t>
+              <a:t>4/24/2023</a:t>
             </a:fld>
             <a:endParaRPr lang="en-US"/>
           </a:p>
@@ -18101,7 +18103,7 @@
           <a:p>
             <a:fld id="{341919A8-FDE9-4149-8ED6-0DC54AFFEC26}" type="datetimeFigureOut">
               <a:rPr lang="en-US" smtClean="0"/>
-              <a:t>4/18/2023</a:t>
+              <a:t>4/24/2023</a:t>
             </a:fld>
             <a:endParaRPr lang="en-US"/>
           </a:p>
@@ -18354,7 +18356,7 @@
           <a:p>
             <a:fld id="{341919A8-FDE9-4149-8ED6-0DC54AFFEC26}" type="datetimeFigureOut">
               <a:rPr lang="en-US" smtClean="0"/>
-              <a:t>4/18/2023</a:t>
+              <a:t>4/24/2023</a:t>
             </a:fld>
             <a:endParaRPr lang="en-US"/>
           </a:p>
@@ -18567,7 +18569,7 @@
           <a:p>
             <a:fld id="{341919A8-FDE9-4149-8ED6-0DC54AFFEC26}" type="datetimeFigureOut">
               <a:rPr lang="en-US" smtClean="0"/>
-              <a:t>4/18/2023</a:t>
+              <a:t>4/24/2023</a:t>
             </a:fld>
             <a:endParaRPr lang="en-US"/>
           </a:p>
@@ -19905,18 +19907,18 @@
       </p:grpSpPr>
       <p:sp>
         <p:nvSpPr>
-          <p:cNvPr id="2" name="Text Placeholder 1">
-            <a:extLst>
-              <a:ext uri="{FF2B5EF4-FFF2-40B4-BE49-F238E27FC236}">
-                <a16:creationId xmlns:a16="http://schemas.microsoft.com/office/drawing/2014/main" id="{4483D1C0-AEBE-43F2-AF2A-23F080C327DF}"/>
-              </a:ext>
-            </a:extLst>
-          </p:cNvPr>
-          <p:cNvSpPr>
-            <a:spLocks noGrp="1"/>
-          </p:cNvSpPr>
-          <p:nvPr>
-            <p:ph type="body" sz="quarter" idx="15"/>
+          <p:cNvPr id="2" name="Title 1">
+            <a:extLst>
+              <a:ext uri="{FF2B5EF4-FFF2-40B4-BE49-F238E27FC236}">
+                <a16:creationId xmlns:a16="http://schemas.microsoft.com/office/drawing/2014/main" id="{28D09562-4D8D-434E-AE6A-6CF89E6B1BBF}"/>
+              </a:ext>
+            </a:extLst>
+          </p:cNvPr>
+          <p:cNvSpPr>
+            <a:spLocks noGrp="1"/>
+          </p:cNvSpPr>
+          <p:nvPr>
+            <p:ph type="title"/>
           </p:nvPr>
         </p:nvSpPr>
         <p:spPr/>
@@ -19924,21 +19926,9 @@
           <a:bodyPr/>
           <a:lstStyle/>
           <a:p>
-            <a:pPr lvl="0"/>
             <a:r>
               <a:rPr lang="en-US" dirty="0" smtClean="0"/>
-              <a:t>Advantages &amp;</a:t>
-            </a:r>
-          </a:p>
-          <a:p>
-            <a:pPr lvl="0"/>
-            <a:r>
-              <a:rPr lang="en-US" dirty="0"/>
-              <a:t>	</a:t>
-            </a:r>
-            <a:r>
-              <a:rPr lang="en-US" dirty="0" smtClean="0"/>
-              <a:t>Disadvantages</a:t>
+              <a:t>Artillery</a:t>
             </a:r>
             <a:endParaRPr lang="en-US" dirty="0"/>
           </a:p>
@@ -19949,34 +19939,60 @@
           <p:cNvPr id="3" name="Text Placeholder 2">
             <a:extLst>
               <a:ext uri="{FF2B5EF4-FFF2-40B4-BE49-F238E27FC236}">
-                <a16:creationId xmlns:a16="http://schemas.microsoft.com/office/drawing/2014/main" id="{9BBB8D4B-E800-4849-82AC-CE4520B69691}"/>
-              </a:ext>
-            </a:extLst>
-          </p:cNvPr>
-          <p:cNvSpPr>
-            <a:spLocks noGrp="1"/>
-          </p:cNvSpPr>
-          <p:nvPr>
-            <p:ph type="body" sz="quarter" idx="16"/>
+                <a16:creationId xmlns:a16="http://schemas.microsoft.com/office/drawing/2014/main" id="{980004BA-4F47-4C5C-B300-EF35A2F015DB}"/>
+              </a:ext>
+            </a:extLst>
+          </p:cNvPr>
+          <p:cNvSpPr>
+            <a:spLocks noGrp="1"/>
+          </p:cNvSpPr>
+          <p:nvPr>
+            <p:ph type="body" sz="quarter" idx="11"/>
           </p:nvPr>
         </p:nvSpPr>
         <p:spPr/>
         <p:txBody>
-          <a:bodyPr/>
+          <a:bodyPr>
+            <a:normAutofit/>
+          </a:bodyPr>
           <a:lstStyle/>
           <a:p>
             <a:r>
-              <a:rPr lang="en-US" dirty="0" smtClean="0"/>
-              <a:t>03</a:t>
-            </a:r>
-            <a:endParaRPr lang="en-US" dirty="0"/>
-          </a:p>
-        </p:txBody>
-      </p:sp>
+              <a:rPr lang="en-US" sz="2400" dirty="0" smtClean="0"/>
+              <a:t>Basic Artillery test script:</a:t>
+            </a:r>
+            <a:endParaRPr lang="en-US" sz="2400" dirty="0"/>
+          </a:p>
+        </p:txBody>
+      </p:sp>
+      <p:pic>
+        <p:nvPicPr>
+          <p:cNvPr id="4" name="Picture 3"/>
+          <p:cNvPicPr>
+            <a:picLocks noChangeAspect="1"/>
+          </p:cNvPicPr>
+          <p:nvPr/>
+        </p:nvPicPr>
+        <p:blipFill>
+          <a:blip r:embed="rId2"/>
+          <a:stretch>
+            <a:fillRect/>
+          </a:stretch>
+        </p:blipFill>
+        <p:spPr>
+          <a:xfrm>
+            <a:off x="838199" y="1782746"/>
+            <a:ext cx="10431331" cy="4058216"/>
+          </a:xfrm>
+          <a:prstGeom prst="rect">
+            <a:avLst/>
+          </a:prstGeom>
+        </p:spPr>
+      </p:pic>
     </p:spTree>
     <p:extLst>
       <p:ext uri="{BB962C8B-B14F-4D97-AF65-F5344CB8AC3E}">
-        <p14:creationId xmlns:p14="http://schemas.microsoft.com/office/powerpoint/2010/main" val="2574647178"/>
+        <p14:creationId xmlns:p14="http://schemas.microsoft.com/office/powerpoint/2010/main" val="3399133175"/>
       </p:ext>
     </p:extLst>
   </p:cSld>
@@ -20026,6 +20042,274 @@
           <a:p>
             <a:r>
               <a:rPr lang="en-US" dirty="0" smtClean="0"/>
+              <a:t>Artillery</a:t>
+            </a:r>
+            <a:endParaRPr lang="en-US" dirty="0"/>
+          </a:p>
+        </p:txBody>
+      </p:sp>
+      <p:sp>
+        <p:nvSpPr>
+          <p:cNvPr id="3" name="Text Placeholder 2">
+            <a:extLst>
+              <a:ext uri="{FF2B5EF4-FFF2-40B4-BE49-F238E27FC236}">
+                <a16:creationId xmlns:a16="http://schemas.microsoft.com/office/drawing/2014/main" id="{980004BA-4F47-4C5C-B300-EF35A2F015DB}"/>
+              </a:ext>
+            </a:extLst>
+          </p:cNvPr>
+          <p:cNvSpPr>
+            <a:spLocks noGrp="1"/>
+          </p:cNvSpPr>
+          <p:nvPr>
+            <p:ph type="body" sz="quarter" idx="11"/>
+          </p:nvPr>
+        </p:nvSpPr>
+        <p:spPr/>
+        <p:txBody>
+          <a:bodyPr>
+            <a:normAutofit/>
+          </a:bodyPr>
+          <a:lstStyle/>
+          <a:p>
+            <a:r>
+              <a:rPr lang="en-US" sz="2400" b="1" dirty="0"/>
+              <a:t>target</a:t>
+            </a:r>
+            <a:r>
+              <a:rPr lang="en-US" sz="2400" dirty="0"/>
+              <a:t>: defines the base URL for the application</a:t>
+            </a:r>
+            <a:endParaRPr lang="en-US" sz="2400" dirty="0" smtClean="0"/>
+          </a:p>
+          <a:p>
+            <a:r>
+              <a:rPr lang="en-US" sz="2400" b="1" dirty="0"/>
+              <a:t>p</a:t>
+            </a:r>
+            <a:r>
+              <a:rPr lang="en-US" sz="2400" b="1" dirty="0" smtClean="0"/>
+              <a:t>hases</a:t>
+            </a:r>
+            <a:r>
+              <a:rPr lang="en-US" sz="2400" dirty="0"/>
+              <a:t>: set up the number of virtual users generated in a period of </a:t>
+            </a:r>
+            <a:r>
+              <a:rPr lang="en-US" sz="2400" dirty="0" smtClean="0"/>
+              <a:t>time and </a:t>
+            </a:r>
+            <a:r>
+              <a:rPr lang="en-US" sz="2400" dirty="0"/>
+              <a:t>how frequently these users are sent to specified endpoints</a:t>
+            </a:r>
+            <a:endParaRPr lang="en-US" sz="2400" dirty="0" smtClean="0"/>
+          </a:p>
+          <a:p>
+            <a:r>
+              <a:rPr lang="en-US" sz="2400" b="1" dirty="0"/>
+              <a:t>duration</a:t>
+            </a:r>
+            <a:r>
+              <a:rPr lang="en-US" sz="2400" dirty="0"/>
+              <a:t>: determines much time virtual users will be generated for</a:t>
+            </a:r>
+            <a:endParaRPr lang="en-US" sz="2400" dirty="0" smtClean="0"/>
+          </a:p>
+          <a:p>
+            <a:r>
+              <a:rPr lang="en-US" sz="2400" b="1" dirty="0" err="1" smtClean="0"/>
+              <a:t>arrivalRate</a:t>
+            </a:r>
+            <a:r>
+              <a:rPr lang="en-US" sz="2400" dirty="0" smtClean="0"/>
+              <a:t>: determines </a:t>
+            </a:r>
+            <a:r>
+              <a:rPr lang="en-US" sz="2400" dirty="0"/>
+              <a:t>the number of virtual users sent to the endpoints per </a:t>
+            </a:r>
+            <a:r>
+              <a:rPr lang="en-US" sz="2400" dirty="0" smtClean="0"/>
+              <a:t>second</a:t>
+            </a:r>
+          </a:p>
+          <a:p>
+            <a:r>
+              <a:rPr lang="en-US" sz="2400" b="1" dirty="0"/>
+              <a:t>scenarios</a:t>
+            </a:r>
+            <a:r>
+              <a:rPr lang="en-US" sz="2400" dirty="0"/>
+              <a:t>: defines the various operations that a virtual user should perform</a:t>
+            </a:r>
+            <a:endParaRPr lang="en-US" sz="2400" dirty="0" smtClean="0"/>
+          </a:p>
+          <a:p>
+            <a:r>
+              <a:rPr lang="en-US" sz="2400" b="1" dirty="0"/>
+              <a:t>flow</a:t>
+            </a:r>
+            <a:r>
+              <a:rPr lang="en-US" sz="2400" dirty="0"/>
+              <a:t>: specifies the exact steps that should be executed in order</a:t>
+            </a:r>
+            <a:endParaRPr lang="en-US" sz="2400" dirty="0"/>
+          </a:p>
+        </p:txBody>
+      </p:sp>
+    </p:spTree>
+    <p:extLst>
+      <p:ext uri="{BB962C8B-B14F-4D97-AF65-F5344CB8AC3E}">
+        <p14:creationId xmlns:p14="http://schemas.microsoft.com/office/powerpoint/2010/main" val="3319667661"/>
+      </p:ext>
+    </p:extLst>
+  </p:cSld>
+  <p:clrMapOvr>
+    <a:masterClrMapping/>
+  </p:clrMapOvr>
+</p:sld>
+</file>
+
+<file path=ppt/slides/slide13.xml><?xml version="1.0" encoding="utf-8"?>
+<p:sld xmlns:a="http://schemas.openxmlformats.org/drawingml/2006/main" xmlns:r="http://schemas.openxmlformats.org/officeDocument/2006/relationships" xmlns:p="http://schemas.openxmlformats.org/presentationml/2006/main">
+  <p:cSld>
+    <p:spTree>
+      <p:nvGrpSpPr>
+        <p:cNvPr id="1" name=""/>
+        <p:cNvGrpSpPr/>
+        <p:nvPr/>
+      </p:nvGrpSpPr>
+      <p:grpSpPr>
+        <a:xfrm>
+          <a:off x="0" y="0"/>
+          <a:ext cx="0" cy="0"/>
+          <a:chOff x="0" y="0"/>
+          <a:chExt cx="0" cy="0"/>
+        </a:xfrm>
+      </p:grpSpPr>
+      <p:sp>
+        <p:nvSpPr>
+          <p:cNvPr id="2" name="Text Placeholder 1">
+            <a:extLst>
+              <a:ext uri="{FF2B5EF4-FFF2-40B4-BE49-F238E27FC236}">
+                <a16:creationId xmlns:a16="http://schemas.microsoft.com/office/drawing/2014/main" id="{4483D1C0-AEBE-43F2-AF2A-23F080C327DF}"/>
+              </a:ext>
+            </a:extLst>
+          </p:cNvPr>
+          <p:cNvSpPr>
+            <a:spLocks noGrp="1"/>
+          </p:cNvSpPr>
+          <p:nvPr>
+            <p:ph type="body" sz="quarter" idx="15"/>
+          </p:nvPr>
+        </p:nvSpPr>
+        <p:spPr/>
+        <p:txBody>
+          <a:bodyPr/>
+          <a:lstStyle/>
+          <a:p>
+            <a:pPr lvl="0"/>
+            <a:r>
+              <a:rPr lang="en-US" dirty="0" smtClean="0"/>
+              <a:t>Advantages &amp;</a:t>
+            </a:r>
+          </a:p>
+          <a:p>
+            <a:pPr lvl="0"/>
+            <a:r>
+              <a:rPr lang="en-US" dirty="0"/>
+              <a:t>	</a:t>
+            </a:r>
+            <a:r>
+              <a:rPr lang="en-US" dirty="0" smtClean="0"/>
+              <a:t>Disadvantages</a:t>
+            </a:r>
+            <a:endParaRPr lang="en-US" dirty="0"/>
+          </a:p>
+        </p:txBody>
+      </p:sp>
+      <p:sp>
+        <p:nvSpPr>
+          <p:cNvPr id="3" name="Text Placeholder 2">
+            <a:extLst>
+              <a:ext uri="{FF2B5EF4-FFF2-40B4-BE49-F238E27FC236}">
+                <a16:creationId xmlns:a16="http://schemas.microsoft.com/office/drawing/2014/main" id="{9BBB8D4B-E800-4849-82AC-CE4520B69691}"/>
+              </a:ext>
+            </a:extLst>
+          </p:cNvPr>
+          <p:cNvSpPr>
+            <a:spLocks noGrp="1"/>
+          </p:cNvSpPr>
+          <p:nvPr>
+            <p:ph type="body" sz="quarter" idx="16"/>
+          </p:nvPr>
+        </p:nvSpPr>
+        <p:spPr/>
+        <p:txBody>
+          <a:bodyPr/>
+          <a:lstStyle/>
+          <a:p>
+            <a:r>
+              <a:rPr lang="en-US" dirty="0" smtClean="0"/>
+              <a:t>03</a:t>
+            </a:r>
+            <a:endParaRPr lang="en-US" dirty="0"/>
+          </a:p>
+        </p:txBody>
+      </p:sp>
+    </p:spTree>
+    <p:extLst>
+      <p:ext uri="{BB962C8B-B14F-4D97-AF65-F5344CB8AC3E}">
+        <p14:creationId xmlns:p14="http://schemas.microsoft.com/office/powerpoint/2010/main" val="2574647178"/>
+      </p:ext>
+    </p:extLst>
+  </p:cSld>
+  <p:clrMapOvr>
+    <a:masterClrMapping/>
+  </p:clrMapOvr>
+</p:sld>
+</file>
+
+<file path=ppt/slides/slide14.xml><?xml version="1.0" encoding="utf-8"?>
+<p:sld xmlns:a="http://schemas.openxmlformats.org/drawingml/2006/main" xmlns:r="http://schemas.openxmlformats.org/officeDocument/2006/relationships" xmlns:p="http://schemas.openxmlformats.org/presentationml/2006/main">
+  <p:cSld>
+    <p:spTree>
+      <p:nvGrpSpPr>
+        <p:cNvPr id="1" name=""/>
+        <p:cNvGrpSpPr/>
+        <p:nvPr/>
+      </p:nvGrpSpPr>
+      <p:grpSpPr>
+        <a:xfrm>
+          <a:off x="0" y="0"/>
+          <a:ext cx="0" cy="0"/>
+          <a:chOff x="0" y="0"/>
+          <a:chExt cx="0" cy="0"/>
+        </a:xfrm>
+      </p:grpSpPr>
+      <p:sp>
+        <p:nvSpPr>
+          <p:cNvPr id="2" name="Title 1">
+            <a:extLst>
+              <a:ext uri="{FF2B5EF4-FFF2-40B4-BE49-F238E27FC236}">
+                <a16:creationId xmlns:a16="http://schemas.microsoft.com/office/drawing/2014/main" id="{28D09562-4D8D-434E-AE6A-6CF89E6B1BBF}"/>
+              </a:ext>
+            </a:extLst>
+          </p:cNvPr>
+          <p:cNvSpPr>
+            <a:spLocks noGrp="1"/>
+          </p:cNvSpPr>
+          <p:nvPr>
+            <p:ph type="title"/>
+          </p:nvPr>
+        </p:nvSpPr>
+        <p:spPr/>
+        <p:txBody>
+          <a:bodyPr/>
+          <a:lstStyle/>
+          <a:p>
+            <a:r>
+              <a:rPr lang="en-US" dirty="0" smtClean="0"/>
               <a:t>References</a:t>
             </a:r>
             <a:endParaRPr lang="en-US" dirty="0"/>
@@ -20085,7 +20369,7 @@
 </p:sld>
 </file>
 
-<file path=ppt/slides/slide13.xml><?xml version="1.0" encoding="utf-8"?>
+<file path=ppt/slides/slide15.xml><?xml version="1.0" encoding="utf-8"?>
 <p:sld xmlns:a="http://schemas.openxmlformats.org/drawingml/2006/main" xmlns:r="http://schemas.openxmlformats.org/officeDocument/2006/relationships" xmlns:p="http://schemas.openxmlformats.org/presentationml/2006/main">
   <p:cSld>
     <p:spTree>
@@ -20166,6 +20450,17 @@
               <a:rPr lang="en-US" dirty="0" smtClean="0"/>
               <a:t>Artillery</a:t>
             </a:r>
+          </a:p>
+          <a:p>
+            <a:pPr lvl="0"/>
+            <a:r>
+              <a:rPr lang="en-US" dirty="0" smtClean="0"/>
+              <a:t>Compariso</a:t>
+            </a:r>
+            <a:r>
+              <a:rPr lang="en-US" dirty="0"/>
+              <a:t>n</a:t>
+            </a:r>
             <a:endParaRPr lang="en-US" dirty="0"/>
           </a:p>
           <a:p>
@@ -20889,7 +21184,7 @@
     </p:spTree>
     <p:extLst>
       <p:ext uri="{BB962C8B-B14F-4D97-AF65-F5344CB8AC3E}">
-        <p14:creationId xmlns:p14="http://schemas.microsoft.com/office/powerpoint/2010/main" val="3399133175"/>
+        <p14:creationId xmlns:p14="http://schemas.microsoft.com/office/powerpoint/2010/main" val="1465879419"/>
       </p:ext>
     </p:extLst>
   </p:cSld>

--- a/artillery/slide/NT_Artillery.pptx
+++ b/artillery/slide/NT_Artillery.pptx
@@ -16,11 +16,18 @@
     <p:sldId id="280" r:id="rId10"/>
     <p:sldId id="261" r:id="rId11"/>
     <p:sldId id="262" r:id="rId12"/>
-    <p:sldId id="260" r:id="rId13"/>
-    <p:sldId id="282" r:id="rId14"/>
-    <p:sldId id="265" r:id="rId15"/>
-    <p:sldId id="275" r:id="rId16"/>
-    <p:sldId id="269" r:id="rId17"/>
+    <p:sldId id="265" r:id="rId13"/>
+    <p:sldId id="284" r:id="rId14"/>
+    <p:sldId id="283" r:id="rId15"/>
+    <p:sldId id="260" r:id="rId16"/>
+    <p:sldId id="286" r:id="rId17"/>
+    <p:sldId id="282" r:id="rId18"/>
+    <p:sldId id="285" r:id="rId19"/>
+    <p:sldId id="287" r:id="rId20"/>
+    <p:sldId id="288" r:id="rId21"/>
+    <p:sldId id="289" r:id="rId22"/>
+    <p:sldId id="275" r:id="rId23"/>
+    <p:sldId id="269" r:id="rId24"/>
   </p:sldIdLst>
   <p:sldSz cx="12192000" cy="6858000"/>
   <p:notesSz cx="6858000" cy="9144000"/>
@@ -19907,18 +19914,18 @@
       </p:grpSpPr>
       <p:sp>
         <p:nvSpPr>
-          <p:cNvPr id="2" name="Title 1">
-            <a:extLst>
-              <a:ext uri="{FF2B5EF4-FFF2-40B4-BE49-F238E27FC236}">
-                <a16:creationId xmlns:a16="http://schemas.microsoft.com/office/drawing/2014/main" id="{28D09562-4D8D-434E-AE6A-6CF89E6B1BBF}"/>
-              </a:ext>
-            </a:extLst>
-          </p:cNvPr>
-          <p:cNvSpPr>
-            <a:spLocks noGrp="1"/>
-          </p:cNvSpPr>
-          <p:nvPr>
-            <p:ph type="title"/>
+          <p:cNvPr id="2" name="Text Placeholder 1">
+            <a:extLst>
+              <a:ext uri="{FF2B5EF4-FFF2-40B4-BE49-F238E27FC236}">
+                <a16:creationId xmlns:a16="http://schemas.microsoft.com/office/drawing/2014/main" id="{4483D1C0-AEBE-43F2-AF2A-23F080C327DF}"/>
+              </a:ext>
+            </a:extLst>
+          </p:cNvPr>
+          <p:cNvSpPr>
+            <a:spLocks noGrp="1"/>
+          </p:cNvSpPr>
+          <p:nvPr>
+            <p:ph type="body" sz="quarter" idx="15"/>
           </p:nvPr>
         </p:nvSpPr>
         <p:spPr/>
@@ -19926,9 +19933,10 @@
           <a:bodyPr/>
           <a:lstStyle/>
           <a:p>
+            <a:pPr lvl="0"/>
             <a:r>
               <a:rPr lang="en-US" dirty="0" smtClean="0"/>
-              <a:t>Artillery</a:t>
+              <a:t>Comparison</a:t>
             </a:r>
             <a:endParaRPr lang="en-US" dirty="0"/>
           </a:p>
@@ -19939,60 +19947,34 @@
           <p:cNvPr id="3" name="Text Placeholder 2">
             <a:extLst>
               <a:ext uri="{FF2B5EF4-FFF2-40B4-BE49-F238E27FC236}">
-                <a16:creationId xmlns:a16="http://schemas.microsoft.com/office/drawing/2014/main" id="{980004BA-4F47-4C5C-B300-EF35A2F015DB}"/>
-              </a:ext>
-            </a:extLst>
-          </p:cNvPr>
-          <p:cNvSpPr>
-            <a:spLocks noGrp="1"/>
-          </p:cNvSpPr>
-          <p:nvPr>
-            <p:ph type="body" sz="quarter" idx="11"/>
+                <a16:creationId xmlns:a16="http://schemas.microsoft.com/office/drawing/2014/main" id="{9BBB8D4B-E800-4849-82AC-CE4520B69691}"/>
+              </a:ext>
+            </a:extLst>
+          </p:cNvPr>
+          <p:cNvSpPr>
+            <a:spLocks noGrp="1"/>
+          </p:cNvSpPr>
+          <p:nvPr>
+            <p:ph type="body" sz="quarter" idx="16"/>
           </p:nvPr>
         </p:nvSpPr>
         <p:spPr/>
         <p:txBody>
-          <a:bodyPr>
-            <a:normAutofit/>
-          </a:bodyPr>
+          <a:bodyPr/>
           <a:lstStyle/>
           <a:p>
             <a:r>
-              <a:rPr lang="en-US" sz="2400" dirty="0" smtClean="0"/>
-              <a:t>Basic Artillery test script:</a:t>
-            </a:r>
-            <a:endParaRPr lang="en-US" sz="2400" dirty="0"/>
-          </a:p>
-        </p:txBody>
-      </p:sp>
-      <p:pic>
-        <p:nvPicPr>
-          <p:cNvPr id="4" name="Picture 3"/>
-          <p:cNvPicPr>
-            <a:picLocks noChangeAspect="1"/>
-          </p:cNvPicPr>
-          <p:nvPr/>
-        </p:nvPicPr>
-        <p:blipFill>
-          <a:blip r:embed="rId2"/>
-          <a:stretch>
-            <a:fillRect/>
-          </a:stretch>
-        </p:blipFill>
-        <p:spPr>
-          <a:xfrm>
-            <a:off x="838199" y="1782746"/>
-            <a:ext cx="10431331" cy="4058216"/>
-          </a:xfrm>
-          <a:prstGeom prst="rect">
-            <a:avLst/>
-          </a:prstGeom>
-        </p:spPr>
-      </p:pic>
+              <a:rPr lang="en-US" dirty="0" smtClean="0"/>
+              <a:t>03</a:t>
+            </a:r>
+            <a:endParaRPr lang="en-US" dirty="0"/>
+          </a:p>
+        </p:txBody>
+      </p:sp>
     </p:spTree>
     <p:extLst>
       <p:ext uri="{BB962C8B-B14F-4D97-AF65-F5344CB8AC3E}">
-        <p14:creationId xmlns:p14="http://schemas.microsoft.com/office/powerpoint/2010/main" val="3399133175"/>
+        <p14:creationId xmlns:p14="http://schemas.microsoft.com/office/powerpoint/2010/main" val="2574647178"/>
       </p:ext>
     </p:extLst>
   </p:cSld>
@@ -20021,18 +20003,18 @@
       </p:grpSpPr>
       <p:sp>
         <p:nvSpPr>
-          <p:cNvPr id="2" name="Title 1">
-            <a:extLst>
-              <a:ext uri="{FF2B5EF4-FFF2-40B4-BE49-F238E27FC236}">
-                <a16:creationId xmlns:a16="http://schemas.microsoft.com/office/drawing/2014/main" id="{28D09562-4D8D-434E-AE6A-6CF89E6B1BBF}"/>
-              </a:ext>
-            </a:extLst>
-          </p:cNvPr>
-          <p:cNvSpPr>
-            <a:spLocks noGrp="1"/>
-          </p:cNvSpPr>
-          <p:nvPr>
-            <p:ph type="title"/>
+          <p:cNvPr id="2" name="Text Placeholder 1">
+            <a:extLst>
+              <a:ext uri="{FF2B5EF4-FFF2-40B4-BE49-F238E27FC236}">
+                <a16:creationId xmlns:a16="http://schemas.microsoft.com/office/drawing/2014/main" id="{4483D1C0-AEBE-43F2-AF2A-23F080C327DF}"/>
+              </a:ext>
+            </a:extLst>
+          </p:cNvPr>
+          <p:cNvSpPr>
+            <a:spLocks noGrp="1"/>
+          </p:cNvSpPr>
+          <p:nvPr>
+            <p:ph type="body" sz="quarter" idx="15"/>
           </p:nvPr>
         </p:nvSpPr>
         <p:spPr/>
@@ -20040,9 +20022,21 @@
           <a:bodyPr/>
           <a:lstStyle/>
           <a:p>
+            <a:pPr lvl="0"/>
             <a:r>
               <a:rPr lang="en-US" dirty="0" smtClean="0"/>
-              <a:t>Artillery</a:t>
+              <a:t>Advantages &amp;</a:t>
+            </a:r>
+          </a:p>
+          <a:p>
+            <a:pPr lvl="0"/>
+            <a:r>
+              <a:rPr lang="en-US" dirty="0"/>
+              <a:t>	</a:t>
+            </a:r>
+            <a:r>
+              <a:rPr lang="en-US" dirty="0" smtClean="0"/>
+              <a:t>Disadvantages</a:t>
             </a:r>
             <a:endParaRPr lang="en-US" dirty="0"/>
           </a:p>
@@ -20053,114 +20047,34 @@
           <p:cNvPr id="3" name="Text Placeholder 2">
             <a:extLst>
               <a:ext uri="{FF2B5EF4-FFF2-40B4-BE49-F238E27FC236}">
-                <a16:creationId xmlns:a16="http://schemas.microsoft.com/office/drawing/2014/main" id="{980004BA-4F47-4C5C-B300-EF35A2F015DB}"/>
-              </a:ext>
-            </a:extLst>
-          </p:cNvPr>
-          <p:cNvSpPr>
-            <a:spLocks noGrp="1"/>
-          </p:cNvSpPr>
-          <p:nvPr>
-            <p:ph type="body" sz="quarter" idx="11"/>
+                <a16:creationId xmlns:a16="http://schemas.microsoft.com/office/drawing/2014/main" id="{9BBB8D4B-E800-4849-82AC-CE4520B69691}"/>
+              </a:ext>
+            </a:extLst>
+          </p:cNvPr>
+          <p:cNvSpPr>
+            <a:spLocks noGrp="1"/>
+          </p:cNvSpPr>
+          <p:nvPr>
+            <p:ph type="body" sz="quarter" idx="16"/>
           </p:nvPr>
         </p:nvSpPr>
         <p:spPr/>
         <p:txBody>
-          <a:bodyPr>
-            <a:normAutofit/>
-          </a:bodyPr>
+          <a:bodyPr/>
           <a:lstStyle/>
           <a:p>
             <a:r>
-              <a:rPr lang="en-US" sz="2400" b="1" dirty="0"/>
-              <a:t>target</a:t>
-            </a:r>
-            <a:r>
-              <a:rPr lang="en-US" sz="2400" dirty="0"/>
-              <a:t>: defines the base URL for the application</a:t>
-            </a:r>
-            <a:endParaRPr lang="en-US" sz="2400" dirty="0" smtClean="0"/>
-          </a:p>
-          <a:p>
-            <a:r>
-              <a:rPr lang="en-US" sz="2400" b="1" dirty="0"/>
-              <a:t>p</a:t>
-            </a:r>
-            <a:r>
-              <a:rPr lang="en-US" sz="2400" b="1" dirty="0" smtClean="0"/>
-              <a:t>hases</a:t>
-            </a:r>
-            <a:r>
-              <a:rPr lang="en-US" sz="2400" dirty="0"/>
-              <a:t>: set up the number of virtual users generated in a period of </a:t>
-            </a:r>
-            <a:r>
-              <a:rPr lang="en-US" sz="2400" dirty="0" smtClean="0"/>
-              <a:t>time and </a:t>
-            </a:r>
-            <a:r>
-              <a:rPr lang="en-US" sz="2400" dirty="0"/>
-              <a:t>how frequently these users are sent to specified endpoints</a:t>
-            </a:r>
-            <a:endParaRPr lang="en-US" sz="2400" dirty="0" smtClean="0"/>
-          </a:p>
-          <a:p>
-            <a:r>
-              <a:rPr lang="en-US" sz="2400" b="1" dirty="0"/>
-              <a:t>duration</a:t>
-            </a:r>
-            <a:r>
-              <a:rPr lang="en-US" sz="2400" dirty="0"/>
-              <a:t>: determines much time virtual users will be generated for</a:t>
-            </a:r>
-            <a:endParaRPr lang="en-US" sz="2400" dirty="0" smtClean="0"/>
-          </a:p>
-          <a:p>
-            <a:r>
-              <a:rPr lang="en-US" sz="2400" b="1" dirty="0" err="1" smtClean="0"/>
-              <a:t>arrivalRate</a:t>
-            </a:r>
-            <a:r>
-              <a:rPr lang="en-US" sz="2400" dirty="0" smtClean="0"/>
-              <a:t>: determines </a:t>
-            </a:r>
-            <a:r>
-              <a:rPr lang="en-US" sz="2400" dirty="0"/>
-              <a:t>the number of virtual users sent to the endpoints per </a:t>
-            </a:r>
-            <a:r>
-              <a:rPr lang="en-US" sz="2400" dirty="0" smtClean="0"/>
-              <a:t>second</a:t>
-            </a:r>
-          </a:p>
-          <a:p>
-            <a:r>
-              <a:rPr lang="en-US" sz="2400" b="1" dirty="0"/>
-              <a:t>scenarios</a:t>
-            </a:r>
-            <a:r>
-              <a:rPr lang="en-US" sz="2400" dirty="0"/>
-              <a:t>: defines the various operations that a virtual user should perform</a:t>
-            </a:r>
-            <a:endParaRPr lang="en-US" sz="2400" dirty="0" smtClean="0"/>
-          </a:p>
-          <a:p>
-            <a:r>
-              <a:rPr lang="en-US" sz="2400" b="1" dirty="0"/>
-              <a:t>flow</a:t>
-            </a:r>
-            <a:r>
-              <a:rPr lang="en-US" sz="2400" dirty="0"/>
-              <a:t>: specifies the exact steps that should be executed in order</a:t>
-            </a:r>
-            <a:endParaRPr lang="en-US" sz="2400" dirty="0"/>
+              <a:rPr lang="en-US" dirty="0" smtClean="0"/>
+              <a:t>04</a:t>
+            </a:r>
+            <a:endParaRPr lang="en-US" dirty="0"/>
           </a:p>
         </p:txBody>
       </p:sp>
     </p:spTree>
     <p:extLst>
       <p:ext uri="{BB962C8B-B14F-4D97-AF65-F5344CB8AC3E}">
-        <p14:creationId xmlns:p14="http://schemas.microsoft.com/office/powerpoint/2010/main" val="3319667661"/>
+        <p14:creationId xmlns:p14="http://schemas.microsoft.com/office/powerpoint/2010/main" val="2032945763"/>
       </p:ext>
     </p:extLst>
   </p:cSld>
@@ -20210,19 +20124,12 @@
           <a:p>
             <a:pPr lvl="0"/>
             <a:r>
+              <a:rPr lang="en-US" dirty="0"/>
+              <a:t>Artillery U</a:t>
+            </a:r>
+            <a:r>
               <a:rPr lang="en-US" dirty="0" smtClean="0"/>
-              <a:t>Advantages &amp;</a:t>
-            </a:r>
-          </a:p>
-          <a:p>
-            <a:pPr lvl="0"/>
-            <a:r>
-              <a:rPr lang="en-US" dirty="0"/>
-              <a:t>	</a:t>
-            </a:r>
-            <a:r>
-              <a:rPr lang="en-US" dirty="0" smtClean="0"/>
-              <a:t>Disadvantages</a:t>
+              <a:t>sage</a:t>
             </a:r>
             <a:endParaRPr lang="en-US" dirty="0"/>
           </a:p>
@@ -20251,7 +20158,7 @@
           <a:p>
             <a:r>
               <a:rPr lang="en-US" dirty="0" smtClean="0"/>
-              <a:t>03</a:t>
+              <a:t>05</a:t>
             </a:r>
             <a:endParaRPr lang="en-US" dirty="0"/>
           </a:p>
@@ -20260,7 +20167,7 @@
     </p:spTree>
     <p:extLst>
       <p:ext uri="{BB962C8B-B14F-4D97-AF65-F5344CB8AC3E}">
-        <p14:creationId xmlns:p14="http://schemas.microsoft.com/office/powerpoint/2010/main" val="2574647178"/>
+        <p14:creationId xmlns:p14="http://schemas.microsoft.com/office/powerpoint/2010/main" val="3967850402"/>
       </p:ext>
     </p:extLst>
   </p:cSld>
@@ -20308,6 +20215,1158 @@
           <a:bodyPr/>
           <a:lstStyle/>
           <a:p>
+            <a:pPr lvl="0"/>
+            <a:r>
+              <a:rPr lang="en-US" dirty="0"/>
+              <a:t>Artillery Usage</a:t>
+            </a:r>
+            <a:endParaRPr lang="en-US" dirty="0"/>
+          </a:p>
+        </p:txBody>
+      </p:sp>
+      <p:sp>
+        <p:nvSpPr>
+          <p:cNvPr id="3" name="Text Placeholder 2">
+            <a:extLst>
+              <a:ext uri="{FF2B5EF4-FFF2-40B4-BE49-F238E27FC236}">
+                <a16:creationId xmlns:a16="http://schemas.microsoft.com/office/drawing/2014/main" id="{980004BA-4F47-4C5C-B300-EF35A2F015DB}"/>
+              </a:ext>
+            </a:extLst>
+          </p:cNvPr>
+          <p:cNvSpPr>
+            <a:spLocks noGrp="1"/>
+          </p:cNvSpPr>
+          <p:nvPr>
+            <p:ph type="body" sz="quarter" idx="11"/>
+          </p:nvPr>
+        </p:nvSpPr>
+        <p:spPr/>
+        <p:txBody>
+          <a:bodyPr>
+            <a:normAutofit/>
+          </a:bodyPr>
+          <a:lstStyle/>
+          <a:p>
+            <a:r>
+              <a:rPr lang="en-US" sz="2400" dirty="0" smtClean="0"/>
+              <a:t>Running a load test in Artillery</a:t>
+            </a:r>
+            <a:endParaRPr lang="en-US" sz="2400" dirty="0"/>
+          </a:p>
+        </p:txBody>
+      </p:sp>
+      <p:pic>
+        <p:nvPicPr>
+          <p:cNvPr id="5" name="Picture 4"/>
+          <p:cNvPicPr>
+            <a:picLocks noChangeAspect="1"/>
+          </p:cNvPicPr>
+          <p:nvPr/>
+        </p:nvPicPr>
+        <p:blipFill>
+          <a:blip r:embed="rId2"/>
+          <a:stretch>
+            <a:fillRect/>
+          </a:stretch>
+        </p:blipFill>
+        <p:spPr>
+          <a:xfrm>
+            <a:off x="3884150" y="3207842"/>
+            <a:ext cx="4201111" cy="638264"/>
+          </a:xfrm>
+          <a:prstGeom prst="rect">
+            <a:avLst/>
+          </a:prstGeom>
+        </p:spPr>
+      </p:pic>
+    </p:spTree>
+    <p:extLst>
+      <p:ext uri="{BB962C8B-B14F-4D97-AF65-F5344CB8AC3E}">
+        <p14:creationId xmlns:p14="http://schemas.microsoft.com/office/powerpoint/2010/main" val="3399133175"/>
+      </p:ext>
+    </p:extLst>
+  </p:cSld>
+  <p:clrMapOvr>
+    <a:masterClrMapping/>
+  </p:clrMapOvr>
+</p:sld>
+</file>
+
+<file path=ppt/slides/slide15.xml><?xml version="1.0" encoding="utf-8"?>
+<p:sld xmlns:a="http://schemas.openxmlformats.org/drawingml/2006/main" xmlns:r="http://schemas.openxmlformats.org/officeDocument/2006/relationships" xmlns:p="http://schemas.openxmlformats.org/presentationml/2006/main">
+  <p:cSld>
+    <p:spTree>
+      <p:nvGrpSpPr>
+        <p:cNvPr id="1" name=""/>
+        <p:cNvGrpSpPr/>
+        <p:nvPr/>
+      </p:nvGrpSpPr>
+      <p:grpSpPr>
+        <a:xfrm>
+          <a:off x="0" y="0"/>
+          <a:ext cx="0" cy="0"/>
+          <a:chOff x="0" y="0"/>
+          <a:chExt cx="0" cy="0"/>
+        </a:xfrm>
+      </p:grpSpPr>
+      <p:sp>
+        <p:nvSpPr>
+          <p:cNvPr id="2" name="Title 1">
+            <a:extLst>
+              <a:ext uri="{FF2B5EF4-FFF2-40B4-BE49-F238E27FC236}">
+                <a16:creationId xmlns:a16="http://schemas.microsoft.com/office/drawing/2014/main" id="{28D09562-4D8D-434E-AE6A-6CF89E6B1BBF}"/>
+              </a:ext>
+            </a:extLst>
+          </p:cNvPr>
+          <p:cNvSpPr>
+            <a:spLocks noGrp="1"/>
+          </p:cNvSpPr>
+          <p:nvPr>
+            <p:ph type="title"/>
+          </p:nvPr>
+        </p:nvSpPr>
+        <p:spPr/>
+        <p:txBody>
+          <a:bodyPr/>
+          <a:lstStyle/>
+          <a:p>
+            <a:pPr lvl="0"/>
+            <a:r>
+              <a:rPr lang="en-US" dirty="0"/>
+              <a:t>Artillery Usage</a:t>
+            </a:r>
+            <a:endParaRPr lang="en-US" dirty="0"/>
+          </a:p>
+        </p:txBody>
+      </p:sp>
+      <p:sp>
+        <p:nvSpPr>
+          <p:cNvPr id="3" name="Text Placeholder 2">
+            <a:extLst>
+              <a:ext uri="{FF2B5EF4-FFF2-40B4-BE49-F238E27FC236}">
+                <a16:creationId xmlns:a16="http://schemas.microsoft.com/office/drawing/2014/main" id="{980004BA-4F47-4C5C-B300-EF35A2F015DB}"/>
+              </a:ext>
+            </a:extLst>
+          </p:cNvPr>
+          <p:cNvSpPr>
+            <a:spLocks noGrp="1"/>
+          </p:cNvSpPr>
+          <p:nvPr>
+            <p:ph type="body" sz="quarter" idx="11"/>
+          </p:nvPr>
+        </p:nvSpPr>
+        <p:spPr/>
+        <p:txBody>
+          <a:bodyPr>
+            <a:normAutofit/>
+          </a:bodyPr>
+          <a:lstStyle/>
+          <a:p>
+            <a:r>
+              <a:rPr lang="en-US" sz="2400" dirty="0" smtClean="0"/>
+              <a:t>Basic Artillery test script:</a:t>
+            </a:r>
+            <a:endParaRPr lang="en-US" sz="2400" dirty="0"/>
+          </a:p>
+        </p:txBody>
+      </p:sp>
+      <p:pic>
+        <p:nvPicPr>
+          <p:cNvPr id="4" name="Picture 3"/>
+          <p:cNvPicPr>
+            <a:picLocks noChangeAspect="1"/>
+          </p:cNvPicPr>
+          <p:nvPr/>
+        </p:nvPicPr>
+        <p:blipFill>
+          <a:blip r:embed="rId2"/>
+          <a:stretch>
+            <a:fillRect/>
+          </a:stretch>
+        </p:blipFill>
+        <p:spPr>
+          <a:xfrm>
+            <a:off x="838199" y="1782746"/>
+            <a:ext cx="10431331" cy="4058216"/>
+          </a:xfrm>
+          <a:prstGeom prst="rect">
+            <a:avLst/>
+          </a:prstGeom>
+        </p:spPr>
+      </p:pic>
+    </p:spTree>
+    <p:extLst>
+      <p:ext uri="{BB962C8B-B14F-4D97-AF65-F5344CB8AC3E}">
+        <p14:creationId xmlns:p14="http://schemas.microsoft.com/office/powerpoint/2010/main" val="3919329893"/>
+      </p:ext>
+    </p:extLst>
+  </p:cSld>
+  <p:clrMapOvr>
+    <a:masterClrMapping/>
+  </p:clrMapOvr>
+</p:sld>
+</file>
+
+<file path=ppt/slides/slide16.xml><?xml version="1.0" encoding="utf-8"?>
+<p:sld xmlns:a="http://schemas.openxmlformats.org/drawingml/2006/main" xmlns:r="http://schemas.openxmlformats.org/officeDocument/2006/relationships" xmlns:p="http://schemas.openxmlformats.org/presentationml/2006/main">
+  <p:cSld>
+    <p:spTree>
+      <p:nvGrpSpPr>
+        <p:cNvPr id="1" name=""/>
+        <p:cNvGrpSpPr/>
+        <p:nvPr/>
+      </p:nvGrpSpPr>
+      <p:grpSpPr>
+        <a:xfrm>
+          <a:off x="0" y="0"/>
+          <a:ext cx="0" cy="0"/>
+          <a:chOff x="0" y="0"/>
+          <a:chExt cx="0" cy="0"/>
+        </a:xfrm>
+      </p:grpSpPr>
+      <p:sp>
+        <p:nvSpPr>
+          <p:cNvPr id="2" name="Title 1">
+            <a:extLst>
+              <a:ext uri="{FF2B5EF4-FFF2-40B4-BE49-F238E27FC236}">
+                <a16:creationId xmlns:a16="http://schemas.microsoft.com/office/drawing/2014/main" id="{28D09562-4D8D-434E-AE6A-6CF89E6B1BBF}"/>
+              </a:ext>
+            </a:extLst>
+          </p:cNvPr>
+          <p:cNvSpPr>
+            <a:spLocks noGrp="1"/>
+          </p:cNvSpPr>
+          <p:nvPr>
+            <p:ph type="title"/>
+          </p:nvPr>
+        </p:nvSpPr>
+        <p:spPr/>
+        <p:txBody>
+          <a:bodyPr/>
+          <a:lstStyle/>
+          <a:p>
+            <a:pPr lvl="0"/>
+            <a:r>
+              <a:rPr lang="en-US" dirty="0"/>
+              <a:t>Artillery Usage</a:t>
+            </a:r>
+            <a:endParaRPr lang="en-US" dirty="0"/>
+          </a:p>
+        </p:txBody>
+      </p:sp>
+      <p:sp>
+        <p:nvSpPr>
+          <p:cNvPr id="3" name="Text Placeholder 2">
+            <a:extLst>
+              <a:ext uri="{FF2B5EF4-FFF2-40B4-BE49-F238E27FC236}">
+                <a16:creationId xmlns:a16="http://schemas.microsoft.com/office/drawing/2014/main" id="{980004BA-4F47-4C5C-B300-EF35A2F015DB}"/>
+              </a:ext>
+            </a:extLst>
+          </p:cNvPr>
+          <p:cNvSpPr>
+            <a:spLocks noGrp="1"/>
+          </p:cNvSpPr>
+          <p:nvPr>
+            <p:ph type="body" sz="quarter" idx="11"/>
+          </p:nvPr>
+        </p:nvSpPr>
+        <p:spPr/>
+        <p:txBody>
+          <a:bodyPr>
+            <a:normAutofit/>
+          </a:bodyPr>
+          <a:lstStyle/>
+          <a:p>
+            <a:r>
+              <a:rPr lang="en-US" sz="2400" b="1" dirty="0"/>
+              <a:t>target</a:t>
+            </a:r>
+            <a:r>
+              <a:rPr lang="en-US" sz="2400" dirty="0"/>
+              <a:t>: defines the base URL for the application</a:t>
+            </a:r>
+            <a:endParaRPr lang="en-US" sz="2400" dirty="0" smtClean="0"/>
+          </a:p>
+          <a:p>
+            <a:r>
+              <a:rPr lang="en-US" sz="2400" b="1" dirty="0"/>
+              <a:t>p</a:t>
+            </a:r>
+            <a:r>
+              <a:rPr lang="en-US" sz="2400" b="1" dirty="0" smtClean="0"/>
+              <a:t>hases</a:t>
+            </a:r>
+            <a:r>
+              <a:rPr lang="en-US" sz="2400" dirty="0"/>
+              <a:t>: set up the number of virtual users generated in a period of </a:t>
+            </a:r>
+            <a:r>
+              <a:rPr lang="en-US" sz="2400" dirty="0" smtClean="0"/>
+              <a:t>time and </a:t>
+            </a:r>
+            <a:r>
+              <a:rPr lang="en-US" sz="2400" dirty="0"/>
+              <a:t>how frequently these users are sent to specified endpoints</a:t>
+            </a:r>
+            <a:endParaRPr lang="en-US" sz="2400" dirty="0" smtClean="0"/>
+          </a:p>
+          <a:p>
+            <a:r>
+              <a:rPr lang="en-US" sz="2400" b="1" dirty="0"/>
+              <a:t>duration</a:t>
+            </a:r>
+            <a:r>
+              <a:rPr lang="en-US" sz="2400" dirty="0"/>
+              <a:t>: determines much time virtual users will be generated for</a:t>
+            </a:r>
+            <a:endParaRPr lang="en-US" sz="2400" dirty="0" smtClean="0"/>
+          </a:p>
+          <a:p>
+            <a:r>
+              <a:rPr lang="en-US" sz="2400" b="1" dirty="0" err="1" smtClean="0"/>
+              <a:t>arrivalRate</a:t>
+            </a:r>
+            <a:r>
+              <a:rPr lang="en-US" sz="2400" dirty="0" smtClean="0"/>
+              <a:t>: determines </a:t>
+            </a:r>
+            <a:r>
+              <a:rPr lang="en-US" sz="2400" dirty="0"/>
+              <a:t>the number of virtual users sent to the endpoints per </a:t>
+            </a:r>
+            <a:r>
+              <a:rPr lang="en-US" sz="2400" dirty="0" smtClean="0"/>
+              <a:t>second</a:t>
+            </a:r>
+          </a:p>
+          <a:p>
+            <a:r>
+              <a:rPr lang="en-US" sz="2400" b="1" dirty="0"/>
+              <a:t>scenarios</a:t>
+            </a:r>
+            <a:r>
+              <a:rPr lang="en-US" sz="2400" dirty="0"/>
+              <a:t>: defines the various operations that a virtual user should perform</a:t>
+            </a:r>
+            <a:endParaRPr lang="en-US" sz="2400" dirty="0" smtClean="0"/>
+          </a:p>
+          <a:p>
+            <a:r>
+              <a:rPr lang="en-US" sz="2400" b="1" dirty="0"/>
+              <a:t>flow</a:t>
+            </a:r>
+            <a:r>
+              <a:rPr lang="en-US" sz="2400" dirty="0"/>
+              <a:t>: specifies the exact steps that should be executed in order</a:t>
+            </a:r>
+          </a:p>
+        </p:txBody>
+      </p:sp>
+    </p:spTree>
+    <p:extLst>
+      <p:ext uri="{BB962C8B-B14F-4D97-AF65-F5344CB8AC3E}">
+        <p14:creationId xmlns:p14="http://schemas.microsoft.com/office/powerpoint/2010/main" val="3319667661"/>
+      </p:ext>
+    </p:extLst>
+  </p:cSld>
+  <p:clrMapOvr>
+    <a:masterClrMapping/>
+  </p:clrMapOvr>
+</p:sld>
+</file>
+
+<file path=ppt/slides/slide17.xml><?xml version="1.0" encoding="utf-8"?>
+<p:sld xmlns:a="http://schemas.openxmlformats.org/drawingml/2006/main" xmlns:r="http://schemas.openxmlformats.org/officeDocument/2006/relationships" xmlns:p="http://schemas.openxmlformats.org/presentationml/2006/main">
+  <p:cSld>
+    <p:spTree>
+      <p:nvGrpSpPr>
+        <p:cNvPr id="1" name=""/>
+        <p:cNvGrpSpPr/>
+        <p:nvPr/>
+      </p:nvGrpSpPr>
+      <p:grpSpPr>
+        <a:xfrm>
+          <a:off x="0" y="0"/>
+          <a:ext cx="0" cy="0"/>
+          <a:chOff x="0" y="0"/>
+          <a:chExt cx="0" cy="0"/>
+        </a:xfrm>
+      </p:grpSpPr>
+      <p:sp>
+        <p:nvSpPr>
+          <p:cNvPr id="2" name="Title 1">
+            <a:extLst>
+              <a:ext uri="{FF2B5EF4-FFF2-40B4-BE49-F238E27FC236}">
+                <a16:creationId xmlns:a16="http://schemas.microsoft.com/office/drawing/2014/main" id="{28D09562-4D8D-434E-AE6A-6CF89E6B1BBF}"/>
+              </a:ext>
+            </a:extLst>
+          </p:cNvPr>
+          <p:cNvSpPr>
+            <a:spLocks noGrp="1"/>
+          </p:cNvSpPr>
+          <p:nvPr>
+            <p:ph type="title"/>
+          </p:nvPr>
+        </p:nvSpPr>
+        <p:spPr/>
+        <p:txBody>
+          <a:bodyPr/>
+          <a:lstStyle/>
+          <a:p>
+            <a:pPr lvl="0"/>
+            <a:r>
+              <a:rPr lang="en-US" dirty="0"/>
+              <a:t>Artillery Usage</a:t>
+            </a:r>
+            <a:endParaRPr lang="en-US" dirty="0"/>
+          </a:p>
+        </p:txBody>
+      </p:sp>
+      <p:sp>
+        <p:nvSpPr>
+          <p:cNvPr id="3" name="Text Placeholder 2">
+            <a:extLst>
+              <a:ext uri="{FF2B5EF4-FFF2-40B4-BE49-F238E27FC236}">
+                <a16:creationId xmlns:a16="http://schemas.microsoft.com/office/drawing/2014/main" id="{980004BA-4F47-4C5C-B300-EF35A2F015DB}"/>
+              </a:ext>
+            </a:extLst>
+          </p:cNvPr>
+          <p:cNvSpPr>
+            <a:spLocks noGrp="1"/>
+          </p:cNvSpPr>
+          <p:nvPr>
+            <p:ph type="body" sz="quarter" idx="11"/>
+          </p:nvPr>
+        </p:nvSpPr>
+        <p:spPr/>
+        <p:txBody>
+          <a:bodyPr>
+            <a:normAutofit/>
+          </a:bodyPr>
+          <a:lstStyle/>
+          <a:p>
+            <a:r>
+              <a:rPr lang="en-US" sz="2400" dirty="0" smtClean="0"/>
+              <a:t>Injecting data from a payload file (CSV, plaintext file):</a:t>
+            </a:r>
+          </a:p>
+          <a:p>
+            <a:endParaRPr lang="en-US" sz="2400" dirty="0"/>
+          </a:p>
+        </p:txBody>
+      </p:sp>
+      <p:pic>
+        <p:nvPicPr>
+          <p:cNvPr id="4" name="Picture 3"/>
+          <p:cNvPicPr>
+            <a:picLocks noChangeAspect="1"/>
+          </p:cNvPicPr>
+          <p:nvPr/>
+        </p:nvPicPr>
+        <p:blipFill>
+          <a:blip r:embed="rId2"/>
+          <a:stretch>
+            <a:fillRect/>
+          </a:stretch>
+        </p:blipFill>
+        <p:spPr>
+          <a:xfrm>
+            <a:off x="5984706" y="1847087"/>
+            <a:ext cx="5991135" cy="3838664"/>
+          </a:xfrm>
+          <a:prstGeom prst="rect">
+            <a:avLst/>
+          </a:prstGeom>
+        </p:spPr>
+      </p:pic>
+      <p:pic>
+        <p:nvPicPr>
+          <p:cNvPr id="5" name="Picture 4"/>
+          <p:cNvPicPr>
+            <a:picLocks noChangeAspect="1"/>
+          </p:cNvPicPr>
+          <p:nvPr/>
+        </p:nvPicPr>
+        <p:blipFill>
+          <a:blip r:embed="rId3"/>
+          <a:stretch>
+            <a:fillRect/>
+          </a:stretch>
+        </p:blipFill>
+        <p:spPr>
+          <a:xfrm>
+            <a:off x="1149052" y="2231135"/>
+            <a:ext cx="4525006" cy="1876687"/>
+          </a:xfrm>
+          <a:prstGeom prst="rect">
+            <a:avLst/>
+          </a:prstGeom>
+        </p:spPr>
+      </p:pic>
+      <p:sp>
+        <p:nvSpPr>
+          <p:cNvPr id="6" name="TextBox 5"/>
+          <p:cNvSpPr txBox="1"/>
+          <p:nvPr/>
+        </p:nvSpPr>
+        <p:spPr>
+          <a:xfrm>
+            <a:off x="2889617" y="4150467"/>
+            <a:ext cx="1043876" cy="369332"/>
+          </a:xfrm>
+          <a:prstGeom prst="rect">
+            <a:avLst/>
+          </a:prstGeom>
+          <a:noFill/>
+        </p:spPr>
+        <p:txBody>
+          <a:bodyPr wrap="none" rtlCol="0">
+            <a:spAutoFit/>
+          </a:bodyPr>
+          <a:lstStyle/>
+          <a:p>
+            <a:pPr algn="l"/>
+            <a:r>
+              <a:rPr lang="en-US" dirty="0">
+                <a:solidFill>
+                  <a:schemeClr val="bg2"/>
+                </a:solidFill>
+              </a:rPr>
+              <a:t>a</a:t>
+            </a:r>
+            <a:r>
+              <a:rPr lang="en-US" dirty="0" smtClean="0">
+                <a:solidFill>
+                  <a:schemeClr val="bg2"/>
+                </a:solidFill>
+              </a:rPr>
+              <a:t>uth.csv</a:t>
+            </a:r>
+            <a:endParaRPr lang="en-US" dirty="0" smtClean="0">
+              <a:solidFill>
+                <a:schemeClr val="bg2"/>
+              </a:solidFill>
+            </a:endParaRPr>
+          </a:p>
+        </p:txBody>
+      </p:sp>
+    </p:spTree>
+    <p:extLst>
+      <p:ext uri="{BB962C8B-B14F-4D97-AF65-F5344CB8AC3E}">
+        <p14:creationId xmlns:p14="http://schemas.microsoft.com/office/powerpoint/2010/main" val="2835973011"/>
+      </p:ext>
+    </p:extLst>
+  </p:cSld>
+  <p:clrMapOvr>
+    <a:masterClrMapping/>
+  </p:clrMapOvr>
+</p:sld>
+</file>
+
+<file path=ppt/slides/slide18.xml><?xml version="1.0" encoding="utf-8"?>
+<p:sld xmlns:a="http://schemas.openxmlformats.org/drawingml/2006/main" xmlns:r="http://schemas.openxmlformats.org/officeDocument/2006/relationships" xmlns:p="http://schemas.openxmlformats.org/presentationml/2006/main">
+  <p:cSld>
+    <p:spTree>
+      <p:nvGrpSpPr>
+        <p:cNvPr id="1" name=""/>
+        <p:cNvGrpSpPr/>
+        <p:nvPr/>
+      </p:nvGrpSpPr>
+      <p:grpSpPr>
+        <a:xfrm>
+          <a:off x="0" y="0"/>
+          <a:ext cx="0" cy="0"/>
+          <a:chOff x="0" y="0"/>
+          <a:chExt cx="0" cy="0"/>
+        </a:xfrm>
+      </p:grpSpPr>
+      <p:sp>
+        <p:nvSpPr>
+          <p:cNvPr id="2" name="Title 1">
+            <a:extLst>
+              <a:ext uri="{FF2B5EF4-FFF2-40B4-BE49-F238E27FC236}">
+                <a16:creationId xmlns:a16="http://schemas.microsoft.com/office/drawing/2014/main" id="{28D09562-4D8D-434E-AE6A-6CF89E6B1BBF}"/>
+              </a:ext>
+            </a:extLst>
+          </p:cNvPr>
+          <p:cNvSpPr>
+            <a:spLocks noGrp="1"/>
+          </p:cNvSpPr>
+          <p:nvPr>
+            <p:ph type="title"/>
+          </p:nvPr>
+        </p:nvSpPr>
+        <p:spPr/>
+        <p:txBody>
+          <a:bodyPr/>
+          <a:lstStyle/>
+          <a:p>
+            <a:pPr lvl="0"/>
+            <a:r>
+              <a:rPr lang="en-US" dirty="0"/>
+              <a:t>Artillery Usage</a:t>
+            </a:r>
+            <a:endParaRPr lang="en-US" dirty="0"/>
+          </a:p>
+        </p:txBody>
+      </p:sp>
+      <p:sp>
+        <p:nvSpPr>
+          <p:cNvPr id="3" name="Text Placeholder 2">
+            <a:extLst>
+              <a:ext uri="{FF2B5EF4-FFF2-40B4-BE49-F238E27FC236}">
+                <a16:creationId xmlns:a16="http://schemas.microsoft.com/office/drawing/2014/main" id="{980004BA-4F47-4C5C-B300-EF35A2F015DB}"/>
+              </a:ext>
+            </a:extLst>
+          </p:cNvPr>
+          <p:cNvSpPr>
+            <a:spLocks noGrp="1"/>
+          </p:cNvSpPr>
+          <p:nvPr>
+            <p:ph type="body" sz="quarter" idx="11"/>
+          </p:nvPr>
+        </p:nvSpPr>
+        <p:spPr/>
+        <p:txBody>
+          <a:bodyPr>
+            <a:normAutofit/>
+          </a:bodyPr>
+          <a:lstStyle/>
+          <a:p>
+            <a:r>
+              <a:rPr lang="en-US" sz="2400" dirty="0" smtClean="0"/>
+              <a:t>Result:</a:t>
+            </a:r>
+          </a:p>
+          <a:p>
+            <a:endParaRPr lang="en-US" sz="2400" dirty="0"/>
+          </a:p>
+        </p:txBody>
+      </p:sp>
+      <p:pic>
+        <p:nvPicPr>
+          <p:cNvPr id="7" name="Picture 6"/>
+          <p:cNvPicPr>
+            <a:picLocks noChangeAspect="1"/>
+          </p:cNvPicPr>
+          <p:nvPr/>
+        </p:nvPicPr>
+        <p:blipFill>
+          <a:blip r:embed="rId2"/>
+          <a:stretch>
+            <a:fillRect/>
+          </a:stretch>
+        </p:blipFill>
+        <p:spPr>
+          <a:xfrm>
+            <a:off x="3559930" y="1667527"/>
+            <a:ext cx="4849552" cy="4442280"/>
+          </a:xfrm>
+          <a:prstGeom prst="rect">
+            <a:avLst/>
+          </a:prstGeom>
+        </p:spPr>
+      </p:pic>
+    </p:spTree>
+    <p:extLst>
+      <p:ext uri="{BB962C8B-B14F-4D97-AF65-F5344CB8AC3E}">
+        <p14:creationId xmlns:p14="http://schemas.microsoft.com/office/powerpoint/2010/main" val="3341632569"/>
+      </p:ext>
+    </p:extLst>
+  </p:cSld>
+  <p:clrMapOvr>
+    <a:masterClrMapping/>
+  </p:clrMapOvr>
+</p:sld>
+</file>
+
+<file path=ppt/slides/slide19.xml><?xml version="1.0" encoding="utf-8"?>
+<p:sld xmlns:a="http://schemas.openxmlformats.org/drawingml/2006/main" xmlns:r="http://schemas.openxmlformats.org/officeDocument/2006/relationships" xmlns:p="http://schemas.openxmlformats.org/presentationml/2006/main">
+  <p:cSld>
+    <p:spTree>
+      <p:nvGrpSpPr>
+        <p:cNvPr id="1" name=""/>
+        <p:cNvGrpSpPr/>
+        <p:nvPr/>
+      </p:nvGrpSpPr>
+      <p:grpSpPr>
+        <a:xfrm>
+          <a:off x="0" y="0"/>
+          <a:ext cx="0" cy="0"/>
+          <a:chOff x="0" y="0"/>
+          <a:chExt cx="0" cy="0"/>
+        </a:xfrm>
+      </p:grpSpPr>
+      <p:sp>
+        <p:nvSpPr>
+          <p:cNvPr id="2" name="Title 1">
+            <a:extLst>
+              <a:ext uri="{FF2B5EF4-FFF2-40B4-BE49-F238E27FC236}">
+                <a16:creationId xmlns:a16="http://schemas.microsoft.com/office/drawing/2014/main" id="{28D09562-4D8D-434E-AE6A-6CF89E6B1BBF}"/>
+              </a:ext>
+            </a:extLst>
+          </p:cNvPr>
+          <p:cNvSpPr>
+            <a:spLocks noGrp="1"/>
+          </p:cNvSpPr>
+          <p:nvPr>
+            <p:ph type="title"/>
+          </p:nvPr>
+        </p:nvSpPr>
+        <p:spPr/>
+        <p:txBody>
+          <a:bodyPr/>
+          <a:lstStyle/>
+          <a:p>
+            <a:pPr lvl="0"/>
+            <a:r>
+              <a:rPr lang="en-US" dirty="0"/>
+              <a:t>Artillery Usage</a:t>
+            </a:r>
+            <a:endParaRPr lang="en-US" dirty="0"/>
+          </a:p>
+        </p:txBody>
+      </p:sp>
+      <p:sp>
+        <p:nvSpPr>
+          <p:cNvPr id="3" name="Text Placeholder 2">
+            <a:extLst>
+              <a:ext uri="{FF2B5EF4-FFF2-40B4-BE49-F238E27FC236}">
+                <a16:creationId xmlns:a16="http://schemas.microsoft.com/office/drawing/2014/main" id="{980004BA-4F47-4C5C-B300-EF35A2F015DB}"/>
+              </a:ext>
+            </a:extLst>
+          </p:cNvPr>
+          <p:cNvSpPr>
+            <a:spLocks noGrp="1"/>
+          </p:cNvSpPr>
+          <p:nvPr>
+            <p:ph type="body" sz="quarter" idx="11"/>
+          </p:nvPr>
+        </p:nvSpPr>
+        <p:spPr/>
+        <p:txBody>
+          <a:bodyPr>
+            <a:normAutofit/>
+          </a:bodyPr>
+          <a:lstStyle/>
+          <a:p>
+            <a:r>
+              <a:rPr lang="en-US" sz="2400" b="1" dirty="0"/>
+              <a:t>m</a:t>
+            </a:r>
+            <a:r>
+              <a:rPr lang="en-US" sz="2400" b="1" dirty="0" smtClean="0"/>
+              <a:t>in</a:t>
+            </a:r>
+            <a:r>
+              <a:rPr lang="en-US" sz="2400" dirty="0"/>
+              <a:t>: the </a:t>
+            </a:r>
+            <a:r>
+              <a:rPr lang="en-US" sz="2400" dirty="0" smtClean="0"/>
+              <a:t>minimum </a:t>
+            </a:r>
+            <a:r>
+              <a:rPr lang="en-US" sz="2400" dirty="0"/>
+              <a:t>response times</a:t>
+            </a:r>
+            <a:endParaRPr lang="en-US" sz="2400" dirty="0" smtClean="0"/>
+          </a:p>
+          <a:p>
+            <a:r>
+              <a:rPr lang="en-US" sz="2400" b="1" dirty="0" smtClean="0"/>
+              <a:t>max</a:t>
+            </a:r>
+            <a:r>
+              <a:rPr lang="en-US" sz="2400" dirty="0"/>
+              <a:t>: </a:t>
+            </a:r>
+            <a:r>
+              <a:rPr lang="en-US" sz="2400" dirty="0" smtClean="0"/>
+              <a:t>maximum </a:t>
+            </a:r>
+            <a:r>
+              <a:rPr lang="en-US" sz="2400" dirty="0"/>
+              <a:t>response </a:t>
+            </a:r>
+            <a:r>
+              <a:rPr lang="en-US" sz="2400" dirty="0" smtClean="0"/>
+              <a:t>times</a:t>
+            </a:r>
+            <a:endParaRPr lang="en-US" sz="2400" dirty="0" smtClean="0"/>
+          </a:p>
+          <a:p>
+            <a:r>
+              <a:rPr lang="en-US" sz="2400" b="1" dirty="0"/>
+              <a:t>m</a:t>
+            </a:r>
+            <a:r>
+              <a:rPr lang="en-US" sz="2400" b="1" dirty="0" smtClean="0"/>
+              <a:t>edian</a:t>
+            </a:r>
+            <a:r>
+              <a:rPr lang="en-US" sz="2400" dirty="0" smtClean="0"/>
+              <a:t>: median </a:t>
+            </a:r>
+            <a:r>
+              <a:rPr lang="en-US" sz="2400" dirty="0"/>
+              <a:t>response times</a:t>
+            </a:r>
+            <a:endParaRPr lang="en-US" sz="2400" dirty="0"/>
+          </a:p>
+        </p:txBody>
+      </p:sp>
+    </p:spTree>
+    <p:extLst>
+      <p:ext uri="{BB962C8B-B14F-4D97-AF65-F5344CB8AC3E}">
+        <p14:creationId xmlns:p14="http://schemas.microsoft.com/office/powerpoint/2010/main" val="1617094159"/>
+      </p:ext>
+    </p:extLst>
+  </p:cSld>
+  <p:clrMapOvr>
+    <a:masterClrMapping/>
+  </p:clrMapOvr>
+</p:sld>
+</file>
+
+<file path=ppt/slides/slide2.xml><?xml version="1.0" encoding="utf-8"?>
+<p:sld xmlns:a="http://schemas.openxmlformats.org/drawingml/2006/main" xmlns:r="http://schemas.openxmlformats.org/officeDocument/2006/relationships" xmlns:p="http://schemas.openxmlformats.org/presentationml/2006/main">
+  <p:cSld>
+    <p:spTree>
+      <p:nvGrpSpPr>
+        <p:cNvPr id="1" name=""/>
+        <p:cNvGrpSpPr/>
+        <p:nvPr/>
+      </p:nvGrpSpPr>
+      <p:grpSpPr>
+        <a:xfrm>
+          <a:off x="0" y="0"/>
+          <a:ext cx="0" cy="0"/>
+          <a:chOff x="0" y="0"/>
+          <a:chExt cx="0" cy="0"/>
+        </a:xfrm>
+      </p:grpSpPr>
+      <p:sp>
+        <p:nvSpPr>
+          <p:cNvPr id="2" name="Text Placeholder 1">
+            <a:extLst>
+              <a:ext uri="{FF2B5EF4-FFF2-40B4-BE49-F238E27FC236}">
+                <a16:creationId xmlns:a16="http://schemas.microsoft.com/office/drawing/2014/main" id="{95558704-037F-4FEA-AEEC-B05917B8050E}"/>
+              </a:ext>
+            </a:extLst>
+          </p:cNvPr>
+          <p:cNvSpPr>
+            <a:spLocks noGrp="1"/>
+          </p:cNvSpPr>
+          <p:nvPr>
+            <p:ph type="body" sz="quarter" idx="10"/>
+          </p:nvPr>
+        </p:nvSpPr>
+        <p:spPr/>
+        <p:txBody>
+          <a:bodyPr/>
+          <a:lstStyle/>
+          <a:p>
+            <a:pPr lvl="0"/>
+            <a:r>
+              <a:rPr lang="en-US" dirty="0" smtClean="0"/>
+              <a:t>What is load testing?</a:t>
+            </a:r>
+            <a:endParaRPr lang="en-US" dirty="0"/>
+          </a:p>
+          <a:p>
+            <a:pPr lvl="0"/>
+            <a:r>
+              <a:rPr lang="en-US" dirty="0" smtClean="0"/>
+              <a:t>Artillery</a:t>
+            </a:r>
+          </a:p>
+          <a:p>
+            <a:pPr lvl="0"/>
+            <a:r>
+              <a:rPr lang="en-US" dirty="0" smtClean="0"/>
+              <a:t>Compariso</a:t>
+            </a:r>
+            <a:r>
+              <a:rPr lang="en-US" dirty="0"/>
+              <a:t>n</a:t>
+            </a:r>
+          </a:p>
+          <a:p>
+            <a:pPr lvl="0"/>
+            <a:r>
+              <a:rPr lang="en-US" dirty="0" smtClean="0"/>
+              <a:t>Advantages &amp; </a:t>
+            </a:r>
+            <a:r>
+              <a:rPr lang="en-US" dirty="0" smtClean="0"/>
+              <a:t>Disadvantages</a:t>
+            </a:r>
+            <a:endParaRPr lang="en-US" dirty="0" smtClean="0"/>
+          </a:p>
+          <a:p>
+            <a:pPr lvl="0"/>
+            <a:r>
+              <a:rPr lang="en-US" dirty="0"/>
+              <a:t>Artillery </a:t>
+            </a:r>
+            <a:r>
+              <a:rPr lang="en-US" dirty="0" smtClean="0"/>
+              <a:t>Usage</a:t>
+            </a:r>
+          </a:p>
+          <a:p>
+            <a:pPr lvl="0"/>
+            <a:r>
+              <a:rPr lang="en-US" dirty="0" smtClean="0"/>
+              <a:t>References</a:t>
+            </a:r>
+            <a:endParaRPr lang="en-US" dirty="0"/>
+          </a:p>
+        </p:txBody>
+      </p:sp>
+    </p:spTree>
+    <p:extLst>
+      <p:ext uri="{BB962C8B-B14F-4D97-AF65-F5344CB8AC3E}">
+        <p14:creationId xmlns:p14="http://schemas.microsoft.com/office/powerpoint/2010/main" val="3172151810"/>
+      </p:ext>
+    </p:extLst>
+  </p:cSld>
+  <p:clrMapOvr>
+    <a:masterClrMapping/>
+  </p:clrMapOvr>
+  <p:timing>
+    <p:tnLst>
+      <p:par>
+        <p:cTn id="1" dur="indefinite" restart="never" nodeType="tmRoot"/>
+      </p:par>
+    </p:tnLst>
+  </p:timing>
+</p:sld>
+</file>
+
+<file path=ppt/slides/slide20.xml><?xml version="1.0" encoding="utf-8"?>
+<p:sld xmlns:a="http://schemas.openxmlformats.org/drawingml/2006/main" xmlns:r="http://schemas.openxmlformats.org/officeDocument/2006/relationships" xmlns:p="http://schemas.openxmlformats.org/presentationml/2006/main">
+  <p:cSld>
+    <p:spTree>
+      <p:nvGrpSpPr>
+        <p:cNvPr id="1" name=""/>
+        <p:cNvGrpSpPr/>
+        <p:nvPr/>
+      </p:nvGrpSpPr>
+      <p:grpSpPr>
+        <a:xfrm>
+          <a:off x="0" y="0"/>
+          <a:ext cx="0" cy="0"/>
+          <a:chOff x="0" y="0"/>
+          <a:chExt cx="0" cy="0"/>
+        </a:xfrm>
+      </p:grpSpPr>
+      <p:sp>
+        <p:nvSpPr>
+          <p:cNvPr id="2" name="Title 1">
+            <a:extLst>
+              <a:ext uri="{FF2B5EF4-FFF2-40B4-BE49-F238E27FC236}">
+                <a16:creationId xmlns:a16="http://schemas.microsoft.com/office/drawing/2014/main" id="{28D09562-4D8D-434E-AE6A-6CF89E6B1BBF}"/>
+              </a:ext>
+            </a:extLst>
+          </p:cNvPr>
+          <p:cNvSpPr>
+            <a:spLocks noGrp="1"/>
+          </p:cNvSpPr>
+          <p:nvPr>
+            <p:ph type="title"/>
+          </p:nvPr>
+        </p:nvSpPr>
+        <p:spPr/>
+        <p:txBody>
+          <a:bodyPr/>
+          <a:lstStyle/>
+          <a:p>
+            <a:pPr lvl="0"/>
+            <a:r>
+              <a:rPr lang="en-US" dirty="0"/>
+              <a:t>Artillery Usage</a:t>
+            </a:r>
+            <a:endParaRPr lang="en-US" dirty="0"/>
+          </a:p>
+        </p:txBody>
+      </p:sp>
+      <p:sp>
+        <p:nvSpPr>
+          <p:cNvPr id="3" name="Text Placeholder 2">
+            <a:extLst>
+              <a:ext uri="{FF2B5EF4-FFF2-40B4-BE49-F238E27FC236}">
+                <a16:creationId xmlns:a16="http://schemas.microsoft.com/office/drawing/2014/main" id="{980004BA-4F47-4C5C-B300-EF35A2F015DB}"/>
+              </a:ext>
+            </a:extLst>
+          </p:cNvPr>
+          <p:cNvSpPr>
+            <a:spLocks noGrp="1"/>
+          </p:cNvSpPr>
+          <p:nvPr>
+            <p:ph type="body" sz="quarter" idx="11"/>
+          </p:nvPr>
+        </p:nvSpPr>
+        <p:spPr/>
+        <p:txBody>
+          <a:bodyPr>
+            <a:normAutofit/>
+          </a:bodyPr>
+          <a:lstStyle/>
+          <a:p>
+            <a:r>
+              <a:rPr lang="en-US" sz="2400" dirty="0"/>
+              <a:t>Generating status reports in </a:t>
+            </a:r>
+            <a:r>
+              <a:rPr lang="en-US" sz="2400" dirty="0" smtClean="0"/>
+              <a:t>Artillery:</a:t>
+            </a:r>
+          </a:p>
+          <a:p>
+            <a:endParaRPr lang="en-US" sz="2400" dirty="0"/>
+          </a:p>
+          <a:p>
+            <a:endParaRPr lang="en-US" sz="2400" dirty="0" smtClean="0"/>
+          </a:p>
+          <a:p>
+            <a:endParaRPr lang="en-US" sz="2400" dirty="0" smtClean="0"/>
+          </a:p>
+          <a:p>
+            <a:r>
+              <a:rPr lang="en-US" sz="2400" dirty="0" smtClean="0"/>
+              <a:t>Report </a:t>
+            </a:r>
+            <a:r>
+              <a:rPr lang="en-US" sz="2400" dirty="0"/>
+              <a:t>is placed in a </a:t>
+            </a:r>
+            <a:r>
+              <a:rPr lang="en-US" sz="2400" b="1" dirty="0" err="1"/>
+              <a:t>test.json</a:t>
+            </a:r>
+            <a:r>
+              <a:rPr lang="en-US" sz="2400" dirty="0"/>
+              <a:t> file in the current working </a:t>
+            </a:r>
+            <a:r>
+              <a:rPr lang="en-US" sz="2400" dirty="0" smtClean="0"/>
+              <a:t>directory</a:t>
+            </a:r>
+          </a:p>
+          <a:p>
+            <a:r>
+              <a:rPr lang="en-US" sz="2400" dirty="0"/>
+              <a:t>This JSON file can be visualized through Artillery's online report viewer or converted into an HTML report through the report </a:t>
+            </a:r>
+            <a:r>
+              <a:rPr lang="en-US" sz="2400" dirty="0" smtClean="0"/>
+              <a:t>subcommand:</a:t>
+            </a:r>
+            <a:endParaRPr lang="en-US" sz="2400" dirty="0"/>
+          </a:p>
+        </p:txBody>
+      </p:sp>
+      <p:pic>
+        <p:nvPicPr>
+          <p:cNvPr id="4" name="Picture 3"/>
+          <p:cNvPicPr>
+            <a:picLocks noChangeAspect="1"/>
+          </p:cNvPicPr>
+          <p:nvPr/>
+        </p:nvPicPr>
+        <p:blipFill>
+          <a:blip r:embed="rId2"/>
+          <a:stretch>
+            <a:fillRect/>
+          </a:stretch>
+        </p:blipFill>
+        <p:spPr>
+          <a:xfrm>
+            <a:off x="3293518" y="1984391"/>
+            <a:ext cx="5382376" cy="676369"/>
+          </a:xfrm>
+          <a:prstGeom prst="rect">
+            <a:avLst/>
+          </a:prstGeom>
+        </p:spPr>
+      </p:pic>
+      <p:pic>
+        <p:nvPicPr>
+          <p:cNvPr id="5" name="Picture 4"/>
+          <p:cNvPicPr>
+            <a:picLocks noChangeAspect="1"/>
+          </p:cNvPicPr>
+          <p:nvPr/>
+        </p:nvPicPr>
+        <p:blipFill>
+          <a:blip r:embed="rId3"/>
+          <a:stretch>
+            <a:fillRect/>
+          </a:stretch>
+        </p:blipFill>
+        <p:spPr>
+          <a:xfrm>
+            <a:off x="3145860" y="4322196"/>
+            <a:ext cx="5677692" cy="828791"/>
+          </a:xfrm>
+          <a:prstGeom prst="rect">
+            <a:avLst/>
+          </a:prstGeom>
+        </p:spPr>
+      </p:pic>
+    </p:spTree>
+    <p:extLst>
+      <p:ext uri="{BB962C8B-B14F-4D97-AF65-F5344CB8AC3E}">
+        <p14:creationId xmlns:p14="http://schemas.microsoft.com/office/powerpoint/2010/main" val="3183650293"/>
+      </p:ext>
+    </p:extLst>
+  </p:cSld>
+  <p:clrMapOvr>
+    <a:masterClrMapping/>
+  </p:clrMapOvr>
+</p:sld>
+</file>
+
+<file path=ppt/slides/slide21.xml><?xml version="1.0" encoding="utf-8"?>
+<p:sld xmlns:a="http://schemas.openxmlformats.org/drawingml/2006/main" xmlns:r="http://schemas.openxmlformats.org/officeDocument/2006/relationships" xmlns:p="http://schemas.openxmlformats.org/presentationml/2006/main">
+  <p:cSld>
+    <p:spTree>
+      <p:nvGrpSpPr>
+        <p:cNvPr id="1" name=""/>
+        <p:cNvGrpSpPr/>
+        <p:nvPr/>
+      </p:nvGrpSpPr>
+      <p:grpSpPr>
+        <a:xfrm>
+          <a:off x="0" y="0"/>
+          <a:ext cx="0" cy="0"/>
+          <a:chOff x="0" y="0"/>
+          <a:chExt cx="0" cy="0"/>
+        </a:xfrm>
+      </p:grpSpPr>
+      <p:sp>
+        <p:nvSpPr>
+          <p:cNvPr id="2" name="Title 1">
+            <a:extLst>
+              <a:ext uri="{FF2B5EF4-FFF2-40B4-BE49-F238E27FC236}">
+                <a16:creationId xmlns:a16="http://schemas.microsoft.com/office/drawing/2014/main" id="{28D09562-4D8D-434E-AE6A-6CF89E6B1BBF}"/>
+              </a:ext>
+            </a:extLst>
+          </p:cNvPr>
+          <p:cNvSpPr>
+            <a:spLocks noGrp="1"/>
+          </p:cNvSpPr>
+          <p:nvPr>
+            <p:ph type="title"/>
+          </p:nvPr>
+        </p:nvSpPr>
+        <p:spPr/>
+        <p:txBody>
+          <a:bodyPr/>
+          <a:lstStyle/>
+          <a:p>
             <a:r>
               <a:rPr lang="en-US" dirty="0" smtClean="0"/>
               <a:t>References</a:t>
@@ -20369,7 +21428,7 @@
 </p:sld>
 </file>
 
-<file path=ppt/slides/slide15.xml><?xml version="1.0" encoding="utf-8"?>
+<file path=ppt/slides/slide22.xml><?xml version="1.0" encoding="utf-8"?>
 <p:sld xmlns:a="http://schemas.openxmlformats.org/drawingml/2006/main" xmlns:r="http://schemas.openxmlformats.org/officeDocument/2006/relationships" xmlns:p="http://schemas.openxmlformats.org/presentationml/2006/main">
   <p:cSld>
     <p:spTree>
@@ -20396,114 +21455,6 @@
   <p:clrMapOvr>
     <a:masterClrMapping/>
   </p:clrMapOvr>
-</p:sld>
-</file>
-
-<file path=ppt/slides/slide2.xml><?xml version="1.0" encoding="utf-8"?>
-<p:sld xmlns:a="http://schemas.openxmlformats.org/drawingml/2006/main" xmlns:r="http://schemas.openxmlformats.org/officeDocument/2006/relationships" xmlns:p="http://schemas.openxmlformats.org/presentationml/2006/main">
-  <p:cSld>
-    <p:spTree>
-      <p:nvGrpSpPr>
-        <p:cNvPr id="1" name=""/>
-        <p:cNvGrpSpPr/>
-        <p:nvPr/>
-      </p:nvGrpSpPr>
-      <p:grpSpPr>
-        <a:xfrm>
-          <a:off x="0" y="0"/>
-          <a:ext cx="0" cy="0"/>
-          <a:chOff x="0" y="0"/>
-          <a:chExt cx="0" cy="0"/>
-        </a:xfrm>
-      </p:grpSpPr>
-      <p:sp>
-        <p:nvSpPr>
-          <p:cNvPr id="2" name="Text Placeholder 1">
-            <a:extLst>
-              <a:ext uri="{FF2B5EF4-FFF2-40B4-BE49-F238E27FC236}">
-                <a16:creationId xmlns:a16="http://schemas.microsoft.com/office/drawing/2014/main" id="{95558704-037F-4FEA-AEEC-B05917B8050E}"/>
-              </a:ext>
-            </a:extLst>
-          </p:cNvPr>
-          <p:cNvSpPr>
-            <a:spLocks noGrp="1"/>
-          </p:cNvSpPr>
-          <p:nvPr>
-            <p:ph type="body" sz="quarter" idx="10"/>
-          </p:nvPr>
-        </p:nvSpPr>
-        <p:spPr/>
-        <p:txBody>
-          <a:bodyPr/>
-          <a:lstStyle/>
-          <a:p>
-            <a:pPr lvl="0"/>
-            <a:r>
-              <a:rPr lang="en-US" dirty="0" smtClean="0"/>
-              <a:t>What is load testing?</a:t>
-            </a:r>
-            <a:endParaRPr lang="en-US" dirty="0"/>
-          </a:p>
-          <a:p>
-            <a:pPr lvl="0"/>
-            <a:r>
-              <a:rPr lang="en-US" dirty="0" smtClean="0"/>
-              <a:t>Artillery</a:t>
-            </a:r>
-          </a:p>
-          <a:p>
-            <a:pPr lvl="0"/>
-            <a:r>
-              <a:rPr lang="en-US" dirty="0" smtClean="0"/>
-              <a:t>Compariso</a:t>
-            </a:r>
-            <a:r>
-              <a:rPr lang="en-US" dirty="0"/>
-              <a:t>n</a:t>
-            </a:r>
-            <a:endParaRPr lang="en-US" dirty="0"/>
-          </a:p>
-          <a:p>
-            <a:pPr lvl="0"/>
-            <a:r>
-              <a:rPr lang="en-US" dirty="0" smtClean="0"/>
-              <a:t>Advantages &amp; disadvantages</a:t>
-            </a:r>
-          </a:p>
-          <a:p>
-            <a:pPr lvl="0"/>
-            <a:r>
-              <a:rPr lang="en-US" dirty="0" smtClean="0"/>
-              <a:t>Examples</a:t>
-            </a:r>
-            <a:endParaRPr lang="en-US" dirty="0"/>
-          </a:p>
-          <a:p>
-            <a:r>
-              <a:rPr lang="en-US" dirty="0" smtClean="0"/>
-              <a:t>References</a:t>
-            </a:r>
-            <a:endParaRPr lang="en-US" dirty="0"/>
-          </a:p>
-        </p:txBody>
-      </p:sp>
-    </p:spTree>
-    <p:extLst>
-      <p:ext uri="{BB962C8B-B14F-4D97-AF65-F5344CB8AC3E}">
-        <p14:creationId xmlns:p14="http://schemas.microsoft.com/office/powerpoint/2010/main" val="3172151810"/>
-      </p:ext>
-    </p:extLst>
-  </p:cSld>
-  <p:clrMapOvr>
-    <a:masterClrMapping/>
-  </p:clrMapOvr>
-  <p:timing>
-    <p:tnLst>
-      <p:par>
-        <p:cTn id="1" dur="indefinite" restart="never" nodeType="tmRoot"/>
-      </p:par>
-    </p:tnLst>
-  </p:timing>
 </p:sld>
 </file>
 

--- a/artillery/slide/NT_Artillery.pptx
+++ b/artillery/slide/NT_Artillery.pptx
@@ -26,8 +26,13 @@
     <p:sldId id="287" r:id="rId20"/>
     <p:sldId id="288" r:id="rId21"/>
     <p:sldId id="289" r:id="rId22"/>
-    <p:sldId id="275" r:id="rId23"/>
-    <p:sldId id="269" r:id="rId24"/>
+    <p:sldId id="290" r:id="rId23"/>
+    <p:sldId id="292" r:id="rId24"/>
+    <p:sldId id="291" r:id="rId25"/>
+    <p:sldId id="293" r:id="rId26"/>
+    <p:sldId id="294" r:id="rId27"/>
+    <p:sldId id="275" r:id="rId28"/>
+    <p:sldId id="269" r:id="rId29"/>
   </p:sldIdLst>
   <p:sldSz cx="12192000" cy="6858000"/>
   <p:notesSz cx="6858000" cy="9144000"/>
@@ -20220,7 +20225,6 @@
               <a:rPr lang="en-US" dirty="0"/>
               <a:t>Artillery Usage</a:t>
             </a:r>
-            <a:endParaRPr lang="en-US" dirty="0"/>
           </a:p>
         </p:txBody>
       </p:sp>
@@ -20335,7 +20339,6 @@
               <a:rPr lang="en-US" dirty="0"/>
               <a:t>Artillery Usage</a:t>
             </a:r>
-            <a:endParaRPr lang="en-US" dirty="0"/>
           </a:p>
         </p:txBody>
       </p:sp>
@@ -20450,7 +20453,6 @@
               <a:rPr lang="en-US" dirty="0"/>
               <a:t>Artillery Usage</a:t>
             </a:r>
-            <a:endParaRPr lang="en-US" dirty="0"/>
           </a:p>
         </p:txBody>
       </p:sp>
@@ -20618,7 +20620,6 @@
               <a:rPr lang="en-US" dirty="0"/>
               <a:t>Artillery Usage</a:t>
             </a:r>
-            <a:endParaRPr lang="en-US" dirty="0"/>
           </a:p>
         </p:txBody>
       </p:sp>
@@ -20742,11 +20743,6 @@
               </a:rPr>
               <a:t>uth.csv</a:t>
             </a:r>
-            <a:endParaRPr lang="en-US" dirty="0" smtClean="0">
-              <a:solidFill>
-                <a:schemeClr val="bg2"/>
-              </a:solidFill>
-            </a:endParaRPr>
           </a:p>
         </p:txBody>
       </p:sp>
@@ -20806,7 +20802,6 @@
               <a:rPr lang="en-US" dirty="0"/>
               <a:t>Artillery Usage</a:t>
             </a:r>
-            <a:endParaRPr lang="en-US" dirty="0"/>
           </a:p>
         </p:txBody>
       </p:sp>
@@ -20923,7 +20918,6 @@
               <a:rPr lang="en-US" dirty="0"/>
               <a:t>Artillery Usage</a:t>
             </a:r>
-            <a:endParaRPr lang="en-US" dirty="0"/>
           </a:p>
         </p:txBody>
       </p:sp>
@@ -20993,7 +20987,6 @@
               <a:rPr lang="en-US" sz="2400" dirty="0" smtClean="0"/>
               <a:t>times</a:t>
             </a:r>
-            <a:endParaRPr lang="en-US" sz="2400" dirty="0" smtClean="0"/>
           </a:p>
           <a:p>
             <a:r>
@@ -21012,7 +21005,6 @@
               <a:rPr lang="en-US" sz="2400" dirty="0"/>
               <a:t>response times</a:t>
             </a:r>
-            <a:endParaRPr lang="en-US" sz="2400" dirty="0"/>
           </a:p>
         </p:txBody>
       </p:sp>
@@ -21096,13 +21088,8 @@
             <a:pPr lvl="0"/>
             <a:r>
               <a:rPr lang="en-US" dirty="0" smtClean="0"/>
-              <a:t>Advantages &amp; </a:t>
-            </a:r>
-            <a:r>
-              <a:rPr lang="en-US" dirty="0" smtClean="0"/>
-              <a:t>Disadvantages</a:t>
-            </a:r>
-            <a:endParaRPr lang="en-US" dirty="0" smtClean="0"/>
+              <a:t>Advantages &amp; Disadvantages</a:t>
+            </a:r>
           </a:p>
           <a:p>
             <a:pPr lvl="0"/>
@@ -21114,6 +21101,14 @@
               <a:rPr lang="en-US" dirty="0" smtClean="0"/>
               <a:t>Usage</a:t>
             </a:r>
+          </a:p>
+          <a:p>
+            <a:pPr lvl="0"/>
+            <a:r>
+              <a:rPr lang="en-US" dirty="0"/>
+              <a:t>Artillery in a CI/CD environment</a:t>
+            </a:r>
+            <a:endParaRPr lang="en-US" dirty="0" smtClean="0"/>
           </a:p>
           <a:p>
             <a:pPr lvl="0"/>
@@ -21188,7 +21183,6 @@
               <a:rPr lang="en-US" dirty="0"/>
               <a:t>Artillery Usage</a:t>
             </a:r>
-            <a:endParaRPr lang="en-US" dirty="0"/>
           </a:p>
         </p:txBody>
       </p:sp>
@@ -21308,7 +21302,7 @@
         </p:blipFill>
         <p:spPr>
           <a:xfrm>
-            <a:off x="3145860" y="4322196"/>
+            <a:off x="3145860" y="4605660"/>
             <a:ext cx="5677692" cy="828791"/>
           </a:xfrm>
           <a:prstGeom prst="rect">
@@ -21367,6 +21361,608 @@
           <a:bodyPr/>
           <a:lstStyle/>
           <a:p>
+            <a:pPr lvl="0"/>
+            <a:r>
+              <a:rPr lang="en-US" dirty="0"/>
+              <a:t>Artillery Usage</a:t>
+            </a:r>
+          </a:p>
+        </p:txBody>
+      </p:sp>
+      <p:sp>
+        <p:nvSpPr>
+          <p:cNvPr id="3" name="Text Placeholder 2">
+            <a:extLst>
+              <a:ext uri="{FF2B5EF4-FFF2-40B4-BE49-F238E27FC236}">
+                <a16:creationId xmlns:a16="http://schemas.microsoft.com/office/drawing/2014/main" id="{980004BA-4F47-4C5C-B300-EF35A2F015DB}"/>
+              </a:ext>
+            </a:extLst>
+          </p:cNvPr>
+          <p:cNvSpPr>
+            <a:spLocks noGrp="1"/>
+          </p:cNvSpPr>
+          <p:nvPr>
+            <p:ph type="body" sz="quarter" idx="11"/>
+          </p:nvPr>
+        </p:nvSpPr>
+        <p:spPr/>
+        <p:txBody>
+          <a:bodyPr>
+            <a:normAutofit/>
+          </a:bodyPr>
+          <a:lstStyle/>
+          <a:p>
+            <a:r>
+              <a:rPr lang="en-US" sz="2400" dirty="0" smtClean="0"/>
+              <a:t>Artillery report:</a:t>
+            </a:r>
+            <a:endParaRPr lang="en-US" sz="2400" dirty="0"/>
+          </a:p>
+        </p:txBody>
+      </p:sp>
+      <p:pic>
+        <p:nvPicPr>
+          <p:cNvPr id="4" name="Picture 3"/>
+          <p:cNvPicPr>
+            <a:picLocks noChangeAspect="1"/>
+          </p:cNvPicPr>
+          <p:nvPr/>
+        </p:nvPicPr>
+        <p:blipFill>
+          <a:blip r:embed="rId2"/>
+          <a:stretch>
+            <a:fillRect/>
+          </a:stretch>
+        </p:blipFill>
+        <p:spPr>
+          <a:xfrm>
+            <a:off x="1649881" y="1851709"/>
+            <a:ext cx="8809017" cy="3989253"/>
+          </a:xfrm>
+          <a:prstGeom prst="rect">
+            <a:avLst/>
+          </a:prstGeom>
+        </p:spPr>
+      </p:pic>
+    </p:spTree>
+    <p:extLst>
+      <p:ext uri="{BB962C8B-B14F-4D97-AF65-F5344CB8AC3E}">
+        <p14:creationId xmlns:p14="http://schemas.microsoft.com/office/powerpoint/2010/main" val="3344910958"/>
+      </p:ext>
+    </p:extLst>
+  </p:cSld>
+  <p:clrMapOvr>
+    <a:masterClrMapping/>
+  </p:clrMapOvr>
+</p:sld>
+</file>
+
+<file path=ppt/slides/slide22.xml><?xml version="1.0" encoding="utf-8"?>
+<p:sld xmlns:a="http://schemas.openxmlformats.org/drawingml/2006/main" xmlns:r="http://schemas.openxmlformats.org/officeDocument/2006/relationships" xmlns:p="http://schemas.openxmlformats.org/presentationml/2006/main">
+  <p:cSld>
+    <p:spTree>
+      <p:nvGrpSpPr>
+        <p:cNvPr id="1" name=""/>
+        <p:cNvGrpSpPr/>
+        <p:nvPr/>
+      </p:nvGrpSpPr>
+      <p:grpSpPr>
+        <a:xfrm>
+          <a:off x="0" y="0"/>
+          <a:ext cx="0" cy="0"/>
+          <a:chOff x="0" y="0"/>
+          <a:chExt cx="0" cy="0"/>
+        </a:xfrm>
+      </p:grpSpPr>
+      <p:sp>
+        <p:nvSpPr>
+          <p:cNvPr id="2" name="Text Placeholder 1">
+            <a:extLst>
+              <a:ext uri="{FF2B5EF4-FFF2-40B4-BE49-F238E27FC236}">
+                <a16:creationId xmlns:a16="http://schemas.microsoft.com/office/drawing/2014/main" id="{4483D1C0-AEBE-43F2-AF2A-23F080C327DF}"/>
+              </a:ext>
+            </a:extLst>
+          </p:cNvPr>
+          <p:cNvSpPr>
+            <a:spLocks noGrp="1"/>
+          </p:cNvSpPr>
+          <p:nvPr>
+            <p:ph type="body" sz="quarter" idx="15"/>
+          </p:nvPr>
+        </p:nvSpPr>
+        <p:spPr/>
+        <p:txBody>
+          <a:bodyPr/>
+          <a:lstStyle/>
+          <a:p>
+            <a:pPr lvl="0"/>
+            <a:r>
+              <a:rPr lang="en-US" dirty="0"/>
+              <a:t>Artillery </a:t>
+            </a:r>
+            <a:r>
+              <a:rPr lang="en-US" dirty="0" smtClean="0"/>
+              <a:t>in a </a:t>
+            </a:r>
+          </a:p>
+          <a:p>
+            <a:pPr lvl="0"/>
+            <a:r>
+              <a:rPr lang="en-US" dirty="0"/>
+              <a:t>	</a:t>
+            </a:r>
+            <a:r>
+              <a:rPr lang="en-US" dirty="0" smtClean="0"/>
+              <a:t>CI/CD environment</a:t>
+            </a:r>
+            <a:endParaRPr lang="en-US" dirty="0"/>
+          </a:p>
+        </p:txBody>
+      </p:sp>
+      <p:sp>
+        <p:nvSpPr>
+          <p:cNvPr id="3" name="Text Placeholder 2">
+            <a:extLst>
+              <a:ext uri="{FF2B5EF4-FFF2-40B4-BE49-F238E27FC236}">
+                <a16:creationId xmlns:a16="http://schemas.microsoft.com/office/drawing/2014/main" id="{9BBB8D4B-E800-4849-82AC-CE4520B69691}"/>
+              </a:ext>
+            </a:extLst>
+          </p:cNvPr>
+          <p:cNvSpPr>
+            <a:spLocks noGrp="1"/>
+          </p:cNvSpPr>
+          <p:nvPr>
+            <p:ph type="body" sz="quarter" idx="16"/>
+          </p:nvPr>
+        </p:nvSpPr>
+        <p:spPr/>
+        <p:txBody>
+          <a:bodyPr/>
+          <a:lstStyle/>
+          <a:p>
+            <a:r>
+              <a:rPr lang="en-US" dirty="0" smtClean="0"/>
+              <a:t>05</a:t>
+            </a:r>
+            <a:endParaRPr lang="en-US" dirty="0"/>
+          </a:p>
+        </p:txBody>
+      </p:sp>
+    </p:spTree>
+    <p:extLst>
+      <p:ext uri="{BB962C8B-B14F-4D97-AF65-F5344CB8AC3E}">
+        <p14:creationId xmlns:p14="http://schemas.microsoft.com/office/powerpoint/2010/main" val="2775592261"/>
+      </p:ext>
+    </p:extLst>
+  </p:cSld>
+  <p:clrMapOvr>
+    <a:masterClrMapping/>
+  </p:clrMapOvr>
+</p:sld>
+</file>
+
+<file path=ppt/slides/slide23.xml><?xml version="1.0" encoding="utf-8"?>
+<p:sld xmlns:a="http://schemas.openxmlformats.org/drawingml/2006/main" xmlns:r="http://schemas.openxmlformats.org/officeDocument/2006/relationships" xmlns:p="http://schemas.openxmlformats.org/presentationml/2006/main">
+  <p:cSld>
+    <p:spTree>
+      <p:nvGrpSpPr>
+        <p:cNvPr id="1" name=""/>
+        <p:cNvGrpSpPr/>
+        <p:nvPr/>
+      </p:nvGrpSpPr>
+      <p:grpSpPr>
+        <a:xfrm>
+          <a:off x="0" y="0"/>
+          <a:ext cx="0" cy="0"/>
+          <a:chOff x="0" y="0"/>
+          <a:chExt cx="0" cy="0"/>
+        </a:xfrm>
+      </p:grpSpPr>
+      <p:sp>
+        <p:nvSpPr>
+          <p:cNvPr id="2" name="Title 1">
+            <a:extLst>
+              <a:ext uri="{FF2B5EF4-FFF2-40B4-BE49-F238E27FC236}">
+                <a16:creationId xmlns:a16="http://schemas.microsoft.com/office/drawing/2014/main" id="{28D09562-4D8D-434E-AE6A-6CF89E6B1BBF}"/>
+              </a:ext>
+            </a:extLst>
+          </p:cNvPr>
+          <p:cNvSpPr>
+            <a:spLocks noGrp="1"/>
+          </p:cNvSpPr>
+          <p:nvPr>
+            <p:ph type="title"/>
+          </p:nvPr>
+        </p:nvSpPr>
+        <p:spPr/>
+        <p:txBody>
+          <a:bodyPr/>
+          <a:lstStyle/>
+          <a:p>
+            <a:pPr lvl="0"/>
+            <a:r>
+              <a:rPr lang="en-US" dirty="0"/>
+              <a:t>Artillery </a:t>
+            </a:r>
+            <a:r>
+              <a:rPr lang="en-US" dirty="0" smtClean="0"/>
+              <a:t>in a CI/CD environment</a:t>
+            </a:r>
+            <a:endParaRPr lang="en-US" dirty="0"/>
+          </a:p>
+        </p:txBody>
+      </p:sp>
+      <p:sp>
+        <p:nvSpPr>
+          <p:cNvPr id="3" name="Text Placeholder 2">
+            <a:extLst>
+              <a:ext uri="{FF2B5EF4-FFF2-40B4-BE49-F238E27FC236}">
+                <a16:creationId xmlns:a16="http://schemas.microsoft.com/office/drawing/2014/main" id="{980004BA-4F47-4C5C-B300-EF35A2F015DB}"/>
+              </a:ext>
+            </a:extLst>
+          </p:cNvPr>
+          <p:cNvSpPr>
+            <a:spLocks noGrp="1"/>
+          </p:cNvSpPr>
+          <p:nvPr>
+            <p:ph type="body" sz="quarter" idx="11"/>
+          </p:nvPr>
+        </p:nvSpPr>
+        <p:spPr/>
+        <p:txBody>
+          <a:bodyPr>
+            <a:normAutofit/>
+          </a:bodyPr>
+          <a:lstStyle/>
+          <a:p>
+            <a:r>
+              <a:rPr lang="en-US" sz="2200" dirty="0" smtClean="0"/>
+              <a:t>Set </a:t>
+            </a:r>
+            <a:r>
+              <a:rPr lang="en-US" sz="2200" dirty="0"/>
+              <a:t>failure conditions that cause the program to </a:t>
+            </a:r>
+            <a:r>
+              <a:rPr lang="en-US" sz="2200" dirty="0" smtClean="0"/>
+              <a:t>exit</a:t>
+            </a:r>
+          </a:p>
+          <a:p>
+            <a:r>
+              <a:rPr lang="en-US" sz="2200" dirty="0" smtClean="0"/>
+              <a:t>Abort </a:t>
+            </a:r>
+            <a:r>
+              <a:rPr lang="en-US" sz="2200" dirty="0"/>
+              <a:t>if performance objectives are not </a:t>
+            </a:r>
+            <a:r>
+              <a:rPr lang="en-US" sz="2200" dirty="0" smtClean="0"/>
+              <a:t>met</a:t>
+            </a:r>
+          </a:p>
+        </p:txBody>
+      </p:sp>
+    </p:spTree>
+    <p:extLst>
+      <p:ext uri="{BB962C8B-B14F-4D97-AF65-F5344CB8AC3E}">
+        <p14:creationId xmlns:p14="http://schemas.microsoft.com/office/powerpoint/2010/main" val="1115321683"/>
+      </p:ext>
+    </p:extLst>
+  </p:cSld>
+  <p:clrMapOvr>
+    <a:masterClrMapping/>
+  </p:clrMapOvr>
+</p:sld>
+</file>
+
+<file path=ppt/slides/slide24.xml><?xml version="1.0" encoding="utf-8"?>
+<p:sld xmlns:a="http://schemas.openxmlformats.org/drawingml/2006/main" xmlns:r="http://schemas.openxmlformats.org/officeDocument/2006/relationships" xmlns:p="http://schemas.openxmlformats.org/presentationml/2006/main">
+  <p:cSld>
+    <p:spTree>
+      <p:nvGrpSpPr>
+        <p:cNvPr id="1" name=""/>
+        <p:cNvGrpSpPr/>
+        <p:nvPr/>
+      </p:nvGrpSpPr>
+      <p:grpSpPr>
+        <a:xfrm>
+          <a:off x="0" y="0"/>
+          <a:ext cx="0" cy="0"/>
+          <a:chOff x="0" y="0"/>
+          <a:chExt cx="0" cy="0"/>
+        </a:xfrm>
+      </p:grpSpPr>
+      <p:sp>
+        <p:nvSpPr>
+          <p:cNvPr id="2" name="Title 1">
+            <a:extLst>
+              <a:ext uri="{FF2B5EF4-FFF2-40B4-BE49-F238E27FC236}">
+                <a16:creationId xmlns:a16="http://schemas.microsoft.com/office/drawing/2014/main" id="{28D09562-4D8D-434E-AE6A-6CF89E6B1BBF}"/>
+              </a:ext>
+            </a:extLst>
+          </p:cNvPr>
+          <p:cNvSpPr>
+            <a:spLocks noGrp="1"/>
+          </p:cNvSpPr>
+          <p:nvPr>
+            <p:ph type="title"/>
+          </p:nvPr>
+        </p:nvSpPr>
+        <p:spPr/>
+        <p:txBody>
+          <a:bodyPr/>
+          <a:lstStyle/>
+          <a:p>
+            <a:pPr lvl="0"/>
+            <a:r>
+              <a:rPr lang="en-US" dirty="0"/>
+              <a:t>Artillery </a:t>
+            </a:r>
+            <a:r>
+              <a:rPr lang="en-US" dirty="0" smtClean="0"/>
+              <a:t>in a CI/CD environment</a:t>
+            </a:r>
+            <a:endParaRPr lang="en-US" dirty="0"/>
+          </a:p>
+        </p:txBody>
+      </p:sp>
+      <p:sp>
+        <p:nvSpPr>
+          <p:cNvPr id="3" name="Text Placeholder 2">
+            <a:extLst>
+              <a:ext uri="{FF2B5EF4-FFF2-40B4-BE49-F238E27FC236}">
+                <a16:creationId xmlns:a16="http://schemas.microsoft.com/office/drawing/2014/main" id="{980004BA-4F47-4C5C-B300-EF35A2F015DB}"/>
+              </a:ext>
+            </a:extLst>
+          </p:cNvPr>
+          <p:cNvSpPr>
+            <a:spLocks noGrp="1"/>
+          </p:cNvSpPr>
+          <p:nvPr>
+            <p:ph type="body" sz="quarter" idx="11"/>
+          </p:nvPr>
+        </p:nvSpPr>
+        <p:spPr/>
+        <p:txBody>
+          <a:bodyPr>
+            <a:normAutofit/>
+          </a:bodyPr>
+          <a:lstStyle/>
+          <a:p>
+            <a:r>
+              <a:rPr lang="en-US" sz="2200" dirty="0"/>
+              <a:t>Artillery provides support for this use case through its </a:t>
+            </a:r>
+            <a:r>
+              <a:rPr lang="en-US" sz="2200" b="1" dirty="0" err="1"/>
+              <a:t>config.ensure</a:t>
+            </a:r>
+            <a:r>
+              <a:rPr lang="en-US" sz="2200" dirty="0"/>
+              <a:t> property</a:t>
+            </a:r>
+          </a:p>
+          <a:p>
+            <a:r>
+              <a:rPr lang="en-US" sz="2200" dirty="0"/>
+              <a:t>The setting to assert that 99% of all requests have an aggregate response time of 150 milliseconds or less and that 1% or less of all requests are allowed to </a:t>
+            </a:r>
+            <a:r>
+              <a:rPr lang="en-US" sz="2200" dirty="0" smtClean="0"/>
+              <a:t>fail</a:t>
+            </a:r>
+            <a:endParaRPr lang="en-US" sz="2200" dirty="0"/>
+          </a:p>
+        </p:txBody>
+      </p:sp>
+      <p:pic>
+        <p:nvPicPr>
+          <p:cNvPr id="5" name="Picture 4"/>
+          <p:cNvPicPr>
+            <a:picLocks noChangeAspect="1"/>
+          </p:cNvPicPr>
+          <p:nvPr/>
+        </p:nvPicPr>
+        <p:blipFill>
+          <a:blip r:embed="rId2"/>
+          <a:stretch>
+            <a:fillRect/>
+          </a:stretch>
+        </p:blipFill>
+        <p:spPr>
+          <a:xfrm>
+            <a:off x="3293518" y="2897326"/>
+            <a:ext cx="5382376" cy="2943636"/>
+          </a:xfrm>
+          <a:prstGeom prst="rect">
+            <a:avLst/>
+          </a:prstGeom>
+        </p:spPr>
+      </p:pic>
+    </p:spTree>
+    <p:extLst>
+      <p:ext uri="{BB962C8B-B14F-4D97-AF65-F5344CB8AC3E}">
+        <p14:creationId xmlns:p14="http://schemas.microsoft.com/office/powerpoint/2010/main" val="1481780536"/>
+      </p:ext>
+    </p:extLst>
+  </p:cSld>
+  <p:clrMapOvr>
+    <a:masterClrMapping/>
+  </p:clrMapOvr>
+</p:sld>
+</file>
+
+<file path=ppt/slides/slide25.xml><?xml version="1.0" encoding="utf-8"?>
+<p:sld xmlns:a="http://schemas.openxmlformats.org/drawingml/2006/main" xmlns:r="http://schemas.openxmlformats.org/officeDocument/2006/relationships" xmlns:p="http://schemas.openxmlformats.org/presentationml/2006/main">
+  <p:cSld>
+    <p:spTree>
+      <p:nvGrpSpPr>
+        <p:cNvPr id="1" name=""/>
+        <p:cNvGrpSpPr/>
+        <p:nvPr/>
+      </p:nvGrpSpPr>
+      <p:grpSpPr>
+        <a:xfrm>
+          <a:off x="0" y="0"/>
+          <a:ext cx="0" cy="0"/>
+          <a:chOff x="0" y="0"/>
+          <a:chExt cx="0" cy="0"/>
+        </a:xfrm>
+      </p:grpSpPr>
+      <p:sp>
+        <p:nvSpPr>
+          <p:cNvPr id="2" name="Title 1">
+            <a:extLst>
+              <a:ext uri="{FF2B5EF4-FFF2-40B4-BE49-F238E27FC236}">
+                <a16:creationId xmlns:a16="http://schemas.microsoft.com/office/drawing/2014/main" id="{28D09562-4D8D-434E-AE6A-6CF89E6B1BBF}"/>
+              </a:ext>
+            </a:extLst>
+          </p:cNvPr>
+          <p:cNvSpPr>
+            <a:spLocks noGrp="1"/>
+          </p:cNvSpPr>
+          <p:nvPr>
+            <p:ph type="title"/>
+          </p:nvPr>
+        </p:nvSpPr>
+        <p:spPr/>
+        <p:txBody>
+          <a:bodyPr/>
+          <a:lstStyle/>
+          <a:p>
+            <a:pPr lvl="0"/>
+            <a:r>
+              <a:rPr lang="en-US" dirty="0"/>
+              <a:t>Artillery </a:t>
+            </a:r>
+            <a:r>
+              <a:rPr lang="en-US" dirty="0" smtClean="0"/>
+              <a:t>in a CI/CD environment</a:t>
+            </a:r>
+            <a:endParaRPr lang="en-US" dirty="0"/>
+          </a:p>
+        </p:txBody>
+      </p:sp>
+      <p:sp>
+        <p:nvSpPr>
+          <p:cNvPr id="3" name="Text Placeholder 2">
+            <a:extLst>
+              <a:ext uri="{FF2B5EF4-FFF2-40B4-BE49-F238E27FC236}">
+                <a16:creationId xmlns:a16="http://schemas.microsoft.com/office/drawing/2014/main" id="{980004BA-4F47-4C5C-B300-EF35A2F015DB}"/>
+              </a:ext>
+            </a:extLst>
+          </p:cNvPr>
+          <p:cNvSpPr>
+            <a:spLocks noGrp="1"/>
+          </p:cNvSpPr>
+          <p:nvPr>
+            <p:ph type="body" sz="quarter" idx="11"/>
+          </p:nvPr>
+        </p:nvSpPr>
+        <p:spPr/>
+        <p:txBody>
+          <a:bodyPr>
+            <a:normAutofit/>
+          </a:bodyPr>
+          <a:lstStyle/>
+          <a:p>
+            <a:r>
+              <a:rPr lang="en-US" sz="2200" dirty="0"/>
+              <a:t>I</a:t>
+            </a:r>
+            <a:r>
+              <a:rPr lang="en-US" sz="2200" dirty="0" smtClean="0"/>
+              <a:t>t </a:t>
+            </a:r>
+            <a:r>
+              <a:rPr lang="en-US" sz="2200" dirty="0"/>
+              <a:t>will continue as before, except that assertions are verified at the end of the test and cause the program to </a:t>
+            </a:r>
+            <a:r>
+              <a:rPr lang="en-US" sz="2200" dirty="0" smtClean="0"/>
+              <a:t>exit</a:t>
+            </a:r>
+            <a:endParaRPr lang="en-US" sz="2200" dirty="0"/>
+          </a:p>
+        </p:txBody>
+      </p:sp>
+      <p:pic>
+        <p:nvPicPr>
+          <p:cNvPr id="4" name="Picture 3"/>
+          <p:cNvPicPr>
+            <a:picLocks noChangeAspect="1"/>
+          </p:cNvPicPr>
+          <p:nvPr/>
+        </p:nvPicPr>
+        <p:blipFill>
+          <a:blip r:embed="rId2"/>
+          <a:stretch>
+            <a:fillRect/>
+          </a:stretch>
+        </p:blipFill>
+        <p:spPr>
+          <a:xfrm>
+            <a:off x="2738813" y="2055607"/>
+            <a:ext cx="6491785" cy="4137414"/>
+          </a:xfrm>
+          <a:prstGeom prst="rect">
+            <a:avLst/>
+          </a:prstGeom>
+        </p:spPr>
+      </p:pic>
+    </p:spTree>
+    <p:extLst>
+      <p:ext uri="{BB962C8B-B14F-4D97-AF65-F5344CB8AC3E}">
+        <p14:creationId xmlns:p14="http://schemas.microsoft.com/office/powerpoint/2010/main" val="1920291569"/>
+      </p:ext>
+    </p:extLst>
+  </p:cSld>
+  <p:clrMapOvr>
+    <a:masterClrMapping/>
+  </p:clrMapOvr>
+</p:sld>
+</file>
+
+<file path=ppt/slides/slide26.xml><?xml version="1.0" encoding="utf-8"?>
+<p:sld xmlns:a="http://schemas.openxmlformats.org/drawingml/2006/main" xmlns:r="http://schemas.openxmlformats.org/officeDocument/2006/relationships" xmlns:p="http://schemas.openxmlformats.org/presentationml/2006/main">
+  <p:cSld>
+    <p:spTree>
+      <p:nvGrpSpPr>
+        <p:cNvPr id="1" name=""/>
+        <p:cNvGrpSpPr/>
+        <p:nvPr/>
+      </p:nvGrpSpPr>
+      <p:grpSpPr>
+        <a:xfrm>
+          <a:off x="0" y="0"/>
+          <a:ext cx="0" cy="0"/>
+          <a:chOff x="0" y="0"/>
+          <a:chExt cx="0" cy="0"/>
+        </a:xfrm>
+      </p:grpSpPr>
+      <p:sp>
+        <p:nvSpPr>
+          <p:cNvPr id="2" name="Title 1">
+            <a:extLst>
+              <a:ext uri="{FF2B5EF4-FFF2-40B4-BE49-F238E27FC236}">
+                <a16:creationId xmlns:a16="http://schemas.microsoft.com/office/drawing/2014/main" id="{28D09562-4D8D-434E-AE6A-6CF89E6B1BBF}"/>
+              </a:ext>
+            </a:extLst>
+          </p:cNvPr>
+          <p:cNvSpPr>
+            <a:spLocks noGrp="1"/>
+          </p:cNvSpPr>
+          <p:nvPr>
+            <p:ph type="title"/>
+          </p:nvPr>
+        </p:nvSpPr>
+        <p:spPr/>
+        <p:txBody>
+          <a:bodyPr/>
+          <a:lstStyle/>
+          <a:p>
             <a:r>
               <a:rPr lang="en-US" dirty="0" smtClean="0"/>
               <a:t>References</a:t>
@@ -21428,7 +22024,7 @@
 </p:sld>
 </file>
 
-<file path=ppt/slides/slide22.xml><?xml version="1.0" encoding="utf-8"?>
+<file path=ppt/slides/slide27.xml><?xml version="1.0" encoding="utf-8"?>
 <p:sld xmlns:a="http://schemas.openxmlformats.org/drawingml/2006/main" xmlns:r="http://schemas.openxmlformats.org/officeDocument/2006/relationships" xmlns:p="http://schemas.openxmlformats.org/presentationml/2006/main">
   <p:cSld>
     <p:spTree>
